--- a/slides/Slides-Day1.pptx
+++ b/slides/Slides-Day1.pptx
@@ -10,7 +10,9 @@
     <p:sldId id="259" r:id="rId4"/>
     <p:sldId id="260" r:id="rId5"/>
     <p:sldId id="261" r:id="rId6"/>
-    <p:sldId id="262" r:id="rId7"/>
+    <p:sldId id="264" r:id="rId7"/>
+    <p:sldId id="262" r:id="rId8"/>
+    <p:sldId id="266" r:id="rId9"/>
   </p:sldIdLst>
   <p:sldSz cx="12192000" cy="6858000"/>
   <p:notesSz cx="6858000" cy="9144000"/>
@@ -145,6 +147,286 @@
 </inkml:ink>
 </file>
 
+<file path=ppt/ink/ink10.xml><?xml version="1.0" encoding="utf-8"?>
+<inkml:ink xmlns:inkml="http://www.w3.org/2003/InkML">
+  <inkml:definitions>
+    <inkml:context xml:id="ctx0">
+      <inkml:inkSource xml:id="inkSrc0">
+        <inkml:traceFormat>
+          <inkml:channel name="X" type="integer" min="-2.14748E9" max="2.14748E9" units="cm"/>
+          <inkml:channel name="Y" type="integer" min="-2.14748E9" max="2.14748E9" units="cm"/>
+          <inkml:channel name="F" type="integer" max="32767" units="dev"/>
+        </inkml:traceFormat>
+        <inkml:channelProperties>
+          <inkml:channelProperty channel="X" name="resolution" value="1000" units="1/cm"/>
+          <inkml:channelProperty channel="Y" name="resolution" value="1000" units="1/cm"/>
+          <inkml:channelProperty channel="F" name="resolution" value="0" units="1/dev"/>
+        </inkml:channelProperties>
+      </inkml:inkSource>
+      <inkml:timestamp xml:id="ts0" timeString="2021-06-28T11:42:12.399"/>
+    </inkml:context>
+    <inkml:brush xml:id="br0">
+      <inkml:brushProperty name="width" value="0.2" units="cm"/>
+      <inkml:brushProperty name="height" value="0.2" units="cm"/>
+      <inkml:brushProperty name="color" value="#E71224"/>
+    </inkml:brush>
+  </inkml:definitions>
+  <inkml:trace contextRef="#ctx0" brushRef="#br0">83 0 24575,'0'35'0,"0"-13"0,0 16 0,0 12 0,0 2 0,0 8 0,2 0 0,-4 5 0,-10 1 0,0-6 0,6-3 0,-12 7 0,1-11 0,15-39 0,-8 7 0,5-10 0,48-16 0,10-18 0,35-5 0,7-1 0,-46 7 0,-2 2 0,33-3 0,-10 4 0,-36 7 0,16 11 0,-16-10 0,4 10 0,6-28 0,-27 12 0,28-29 0,-26 15 0,8-9 0,-9 16 0,-7 3 0,-6 6 0,-5-6 0,0 3 0,0-22 0,-16 19 0,-3-17 0,-5 21 0,-12-8 0,23 12 0,-7 20 0,21 6 0,6 30 0,6 1 0,1 9 0,-7 2 0,0 22 0,-7-2 0,0-15 0,0 0 0,0 20 0,0-1 0,0-47 0,0-7 0,5-1 0,2 5 0,9-5 0,1 8 0,4-5 0,-9-5 0,2-2 0,-13-10 0,4 0 0,-5 0 0,0-5 0,0 0 0</inkml:trace>
+</inkml:ink>
+</file>
+
+<file path=ppt/ink/ink11.xml><?xml version="1.0" encoding="utf-8"?>
+<inkml:ink xmlns:inkml="http://www.w3.org/2003/InkML">
+  <inkml:definitions>
+    <inkml:context xml:id="ctx0">
+      <inkml:inkSource xml:id="inkSrc0">
+        <inkml:traceFormat>
+          <inkml:channel name="X" type="integer" min="-2.14748E9" max="2.14748E9" units="cm"/>
+          <inkml:channel name="Y" type="integer" min="-2.14748E9" max="2.14748E9" units="cm"/>
+          <inkml:channel name="F" type="integer" max="32767" units="dev"/>
+        </inkml:traceFormat>
+        <inkml:channelProperties>
+          <inkml:channelProperty channel="X" name="resolution" value="1000" units="1/cm"/>
+          <inkml:channelProperty channel="Y" name="resolution" value="1000" units="1/cm"/>
+          <inkml:channelProperty channel="F" name="resolution" value="0" units="1/dev"/>
+        </inkml:channelProperties>
+      </inkml:inkSource>
+      <inkml:timestamp xml:id="ts0" timeString="2021-06-28T11:42:47.685"/>
+    </inkml:context>
+    <inkml:brush xml:id="br0">
+      <inkml:brushProperty name="width" value="0.2" units="cm"/>
+      <inkml:brushProperty name="height" value="0.2" units="cm"/>
+      <inkml:brushProperty name="color" value="#E71224"/>
+    </inkml:brush>
+  </inkml:definitions>
+  <inkml:trace contextRef="#ctx0" brushRef="#br0">1 1 24575,'21'0'0,"3"0"0,-12 0 0,13 5 0,-13-4 0,52 13 0,-43-12 0,33 8 0,-24-6 0,-15-3 0,14 9 0,-14-9 0,-4 4 0,4-1 0,-6-2 0,1 2 0,-4 1 0,3-4 0,1 8 0,2-7 0,3 2 0,5 6 0,-3-8 0,9 12 0,6-8 0,-13 0 0,18 4 0,-13-3 0,17 5 0,-5 0 0,10 0 0,-21-5 0,7 4 0,-20-10 0,30 10 0,-21-5 0,16 0 0,-13-1 0,-11-5 0,7 5 0,-10-4 0,0 4 0,0-5 0,-5 4 0,3-3 0,-3 4 0,1-5 0,-2 0 0</inkml:trace>
+</inkml:ink>
+</file>
+
+<file path=ppt/ink/ink12.xml><?xml version="1.0" encoding="utf-8"?>
+<inkml:ink xmlns:inkml="http://www.w3.org/2003/InkML">
+  <inkml:definitions>
+    <inkml:context xml:id="ctx0">
+      <inkml:inkSource xml:id="inkSrc0">
+        <inkml:traceFormat>
+          <inkml:channel name="X" type="integer" min="-2.14748E9" max="2.14748E9" units="cm"/>
+          <inkml:channel name="Y" type="integer" min="-2.14748E9" max="2.14748E9" units="cm"/>
+          <inkml:channel name="F" type="integer" max="32767" units="dev"/>
+        </inkml:traceFormat>
+        <inkml:channelProperties>
+          <inkml:channelProperty channel="X" name="resolution" value="1000" units="1/cm"/>
+          <inkml:channelProperty channel="Y" name="resolution" value="1000" units="1/cm"/>
+          <inkml:channelProperty channel="F" name="resolution" value="0" units="1/dev"/>
+        </inkml:channelProperties>
+      </inkml:inkSource>
+      <inkml:timestamp xml:id="ts0" timeString="2021-06-28T11:42:49.244"/>
+    </inkml:context>
+    <inkml:brush xml:id="br0">
+      <inkml:brushProperty name="width" value="0.2" units="cm"/>
+      <inkml:brushProperty name="height" value="0.2" units="cm"/>
+      <inkml:brushProperty name="color" value="#E71224"/>
+    </inkml:brush>
+  </inkml:definitions>
+  <inkml:trace contextRef="#ctx0" brushRef="#br0">46 0 24575,'12'17'0,"22"21"0,-11-21 0,15 22 0,-22-27 0,-3 5 0,8-1 0,-9 1 0,3 4 0,-4-5 0,4 13 0,-8-15 0,2 10 0,-4-18 0,-4 20 0,4-16 0,-5 18 0,0-13 0,-5-3 0,-1 3 0,-24 11 0,-1 3 0,-4 1 0,9-4 0,11-11 0,-2 1 0,-14 21 0,12-12 0,-6 16 0,14-23 0,6 6 0,-5-12 0,9 3 0,-8-4 0,7-1 0,-2 0 0,4-4 0,0-2 0</inkml:trace>
+</inkml:ink>
+</file>
+
+<file path=ppt/ink/ink13.xml><?xml version="1.0" encoding="utf-8"?>
+<inkml:ink xmlns:inkml="http://www.w3.org/2003/InkML">
+  <inkml:definitions>
+    <inkml:context xml:id="ctx0">
+      <inkml:inkSource xml:id="inkSrc0">
+        <inkml:traceFormat>
+          <inkml:channel name="X" type="integer" min="-2.14748E9" max="2.14748E9" units="cm"/>
+          <inkml:channel name="Y" type="integer" min="-2.14748E9" max="2.14748E9" units="cm"/>
+          <inkml:channel name="F" type="integer" max="32767" units="dev"/>
+        </inkml:traceFormat>
+        <inkml:channelProperties>
+          <inkml:channelProperty channel="X" name="resolution" value="1000" units="1/cm"/>
+          <inkml:channelProperty channel="Y" name="resolution" value="1000" units="1/cm"/>
+          <inkml:channelProperty channel="F" name="resolution" value="0" units="1/dev"/>
+        </inkml:channelProperties>
+      </inkml:inkSource>
+      <inkml:timestamp xml:id="ts0" timeString="2021-06-28T12:37:19.521"/>
+    </inkml:context>
+    <inkml:brush xml:id="br0">
+      <inkml:brushProperty name="width" value="0.2" units="cm"/>
+      <inkml:brushProperty name="height" value="0.2" units="cm"/>
+      <inkml:brushProperty name="color" value="#E71224"/>
+    </inkml:brush>
+  </inkml:definitions>
+  <inkml:trace contextRef="#ctx0" brushRef="#br0">0 1 24575,'96'0'0,"0"0"0,-1 0 0,1 0 0,0 0 0,-1 0 0,1 0 0,0 0 0,0 0 0,-1 0 0,1 0 0,0 0 0,0 0 0,-1 0 0,1 0 0,0 0 0,-1 0 0,1 0 0,0 0 0,0 0 0,-1 0 0,14 0 0,7 0 0,7 0 0,4 0 0,3 0 0,-1 0 0,-2 0 0,-5 0 0,-6 0 0,-8 0 0,-11 0 0,-13 0 0,-15 0 0,-17 0 0,-20 0 0,-20 0 0,-63 0 0,-17 0 0,47 0 0</inkml:trace>
+</inkml:ink>
+</file>
+
+<file path=ppt/ink/ink14.xml><?xml version="1.0" encoding="utf-8"?>
+<inkml:ink xmlns:inkml="http://www.w3.org/2003/InkML">
+  <inkml:definitions>
+    <inkml:context xml:id="ctx0">
+      <inkml:inkSource xml:id="inkSrc0">
+        <inkml:traceFormat>
+          <inkml:channel name="X" type="integer" min="-2.14748E9" max="2.14748E9" units="cm"/>
+          <inkml:channel name="Y" type="integer" min="-2.14748E9" max="2.14748E9" units="cm"/>
+          <inkml:channel name="F" type="integer" max="32767" units="dev"/>
+        </inkml:traceFormat>
+        <inkml:channelProperties>
+          <inkml:channelProperty channel="X" name="resolution" value="1000" units="1/cm"/>
+          <inkml:channelProperty channel="Y" name="resolution" value="1000" units="1/cm"/>
+          <inkml:channelProperty channel="F" name="resolution" value="0" units="1/dev"/>
+        </inkml:channelProperties>
+      </inkml:inkSource>
+      <inkml:timestamp xml:id="ts0" timeString="2021-06-28T12:37:22.090"/>
+    </inkml:context>
+    <inkml:brush xml:id="br0">
+      <inkml:brushProperty name="width" value="0.2" units="cm"/>
+      <inkml:brushProperty name="height" value="0.2" units="cm"/>
+      <inkml:brushProperty name="color" value="#E71224"/>
+    </inkml:brush>
+  </inkml:definitions>
+  <inkml:trace contextRef="#ctx0" brushRef="#br0">1 66 24575,'34'0'0,"13"0"0,-6 0 0,20 0 0,-3-2 0,1-3 0,9-2 0,20 0 0,-4-1 0,-36 1 0,43 0 0,-67 7 0,5 0 0,1-5 0,9 4 0,2-9 0,-11 8 0,-4-2 0,-11 4 0,-3 0 0,13 0 0,-12 0 0,48 0 0,-29 0 0,34 0 0,-37 0 0,-7 0 0,-7 0 0,0 0 0,-4 0 0,3 0 0,-5 0 0,1 0 0,-1 0 0,4 0 0,-2 0 0,4 0 0,11 0 0,-6 0 0,14 0 0,-5 0 0,-10 0 0,18 0 0,-22 0 0,10 0 0,-19 0 0,-2 0 0</inkml:trace>
+</inkml:ink>
+</file>
+
+<file path=ppt/ink/ink15.xml><?xml version="1.0" encoding="utf-8"?>
+<inkml:ink xmlns:inkml="http://www.w3.org/2003/InkML">
+  <inkml:definitions>
+    <inkml:context xml:id="ctx0">
+      <inkml:inkSource xml:id="inkSrc0">
+        <inkml:traceFormat>
+          <inkml:channel name="X" type="integer" min="-2.14748E9" max="2.14748E9" units="cm"/>
+          <inkml:channel name="Y" type="integer" min="-2.14748E9" max="2.14748E9" units="cm"/>
+          <inkml:channel name="F" type="integer" max="32767" units="dev"/>
+        </inkml:traceFormat>
+        <inkml:channelProperties>
+          <inkml:channelProperty channel="X" name="resolution" value="1000" units="1/cm"/>
+          <inkml:channelProperty channel="Y" name="resolution" value="1000" units="1/cm"/>
+          <inkml:channelProperty channel="F" name="resolution" value="0" units="1/dev"/>
+        </inkml:channelProperties>
+      </inkml:inkSource>
+      <inkml:timestamp xml:id="ts0" timeString="2021-06-28T12:37:24.193"/>
+    </inkml:context>
+    <inkml:brush xml:id="br0">
+      <inkml:brushProperty name="width" value="0.2" units="cm"/>
+      <inkml:brushProperty name="height" value="0.2" units="cm"/>
+      <inkml:brushProperty name="color" value="#E71224"/>
+    </inkml:brush>
+  </inkml:definitions>
+  <inkml:trace contextRef="#ctx0" brushRef="#br0">1 3353 24575,'0'-59'0,"0"-1"0,0 5 0,0-7 0,0-27 0,0-14 0,0 10 0,0 12 0,0-1-325,0 5 1,0-9 0,0-2-1,0 12 325,0-13 0,0 9-708,0 12 0,0 1 708,0-9 0,0 1 0,0 19 0,0 0 321,0-17 1,0-3-322,-1 8 0,2 0 0,1 0 0,3-5 0,2-5 0,1-8 0,0 9 0,2 14 0,-1 1 0,-1-12 0,0-7 0,-1 11 0,4-16 612,-9 12-612,3 18 1459,-5 18-1459,0 9 0,5-42 0,-3-2 0,1 19 0,-1-1 0,-2-39 0,0 39 0,0 17 0,0 23 0,0 5 0,0 4 0,0 2 0</inkml:trace>
+</inkml:ink>
+</file>
+
+<file path=ppt/ink/ink16.xml><?xml version="1.0" encoding="utf-8"?>
+<inkml:ink xmlns:inkml="http://www.w3.org/2003/InkML">
+  <inkml:definitions>
+    <inkml:context xml:id="ctx0">
+      <inkml:inkSource xml:id="inkSrc0">
+        <inkml:traceFormat>
+          <inkml:channel name="X" type="integer" min="-2.14748E9" max="2.14748E9" units="cm"/>
+          <inkml:channel name="Y" type="integer" min="-2.14748E9" max="2.14748E9" units="cm"/>
+          <inkml:channel name="F" type="integer" max="32767" units="dev"/>
+        </inkml:traceFormat>
+        <inkml:channelProperties>
+          <inkml:channelProperty channel="X" name="resolution" value="1000" units="1/cm"/>
+          <inkml:channelProperty channel="Y" name="resolution" value="1000" units="1/cm"/>
+          <inkml:channelProperty channel="F" name="resolution" value="0" units="1/dev"/>
+        </inkml:channelProperties>
+      </inkml:inkSource>
+      <inkml:timestamp xml:id="ts0" timeString="2021-06-28T12:37:33.394"/>
+    </inkml:context>
+    <inkml:brush xml:id="br0">
+      <inkml:brushProperty name="width" value="0.2" units="cm"/>
+      <inkml:brushProperty name="height" value="0.2" units="cm"/>
+      <inkml:brushProperty name="color" value="#008C3A"/>
+    </inkml:brush>
+  </inkml:definitions>
+  <inkml:trace contextRef="#ctx0" brushRef="#br0">0 0 24575,'92'0'0,"-1"0"0,0 0 0,1 0 0,-1 0 0,1 0 0,-1 0 0,-3 4 0,0 0 0,2 1 0,1 1 0,2 1 0,2 0 0,2-1 0,3 1 0,2 0-253,-13-1 1,3-1 0,1 0 0,2 0 0,2 1 0,1-1 0,2 1 0,1 0 0,1 1 0,2 0 0,1 1 0,1 0 0,0 2 79,-18-2 1,1 1-1,0 0 1,2 1-1,1 0 1,1 1-1,0-1 1,2 2-1,0-1 1,0 1-1,2 0 1,-1 0 0,2 1-1,-1-1 1,1 1-1,0 0 1,0 0-1,0-1 1,0 1 23,-6-1 0,1 0 0,0 1 0,1 0 0,1 0 0,0 0 0,1 0 0,0 0 0,0 1 0,0-1 0,1 1 0,-1 0 0,1 0 0,-1-1 0,0 1 0,0 0 1,0 0-1,-1-1 0,-1 1 0,0-1 0,-1 1 0,0-1-24,7 1 1,0 1-1,-1-1 1,0 0-1,0 1 1,0-1-1,-1 0 1,0 0-1,-1 1 1,0-1-1,0 0 1,0 0 0,0 1-1,-1-1 1,0 0-1,0 0 1,0 1-1,-1-1 1,1 0 102,1 1 1,1 0 0,2 0 0,0 0-1,1 0 1,0 1 0,-1-1 0,0 0-1,-1 1 1,-1-1 0,-1 0 0,-3-1-1,-1 1 1,-3-1 0,-3-1 0,-3 0-1,-3 0 1,-4-1 69,32 5 0,-6-1 0,-6-1 0,-4 0 0,-3-1 0,-4 0 0,-2-1 0,-2-1-226,17 4 0,-3-2 0,-5 0 0,-6-1 0,-6-1 226,2 0 0,-8 0 0,6 0 0,11 2 0,10 2 0,-1 0 0,-12-2 0,10 1 0,0-1 0,-6 1 0,13 3 0,-6 0 0,-26-4 2461,-12 3-2461,26-2 0,-15-3 0,-14-4 1638,8 1 0,12 4-1499,2 1 0,7 3 0,-4-3-139,3-2 0,1 0 1092,-4 2 0,5 1 0,-6 0 31,1 0 0,-9-2-1123,-23-3 0,-1 0 0,20 4 0,-6 0 3276,-20-4-2780,-32-9-459,-6-19-37,-8-6 0,-5-3 0,2 9 0</inkml:trace>
+</inkml:ink>
+</file>
+
+<file path=ppt/ink/ink17.xml><?xml version="1.0" encoding="utf-8"?>
+<inkml:ink xmlns:inkml="http://www.w3.org/2003/InkML">
+  <inkml:definitions>
+    <inkml:context xml:id="ctx0">
+      <inkml:inkSource xml:id="inkSrc0">
+        <inkml:traceFormat>
+          <inkml:channel name="X" type="integer" min="-2.14748E9" max="2.14748E9" units="cm"/>
+          <inkml:channel name="Y" type="integer" min="-2.14748E9" max="2.14748E9" units="cm"/>
+          <inkml:channel name="F" type="integer" max="32767" units="dev"/>
+        </inkml:traceFormat>
+        <inkml:channelProperties>
+          <inkml:channelProperty channel="X" name="resolution" value="1000" units="1/cm"/>
+          <inkml:channelProperty channel="Y" name="resolution" value="1000" units="1/cm"/>
+          <inkml:channelProperty channel="F" name="resolution" value="0" units="1/dev"/>
+        </inkml:channelProperties>
+      </inkml:inkSource>
+      <inkml:timestamp xml:id="ts0" timeString="2021-06-28T12:37:35.563"/>
+    </inkml:context>
+    <inkml:brush xml:id="br0">
+      <inkml:brushProperty name="width" value="0.2" units="cm"/>
+      <inkml:brushProperty name="height" value="0.2" units="cm"/>
+      <inkml:brushProperty name="color" value="#008C3A"/>
+    </inkml:brush>
+  </inkml:definitions>
+  <inkml:trace contextRef="#ctx0" brushRef="#br0">1 2 24575,'64'0'0,"-8"0"0,6 0 0,14 0 0,15 0-547,-13 0 1,16 0 0,9 0 0,4 0 0,-4 0 0,-11 0-274,1 0 1,-7 0 0,-1 0 0,10 0 350,-12 0 1,7 0 0,5 0 0,2 0 0,-3 0 0,-5 0 0,-9 0-14,6 0 1,-8 0-1,-4 0 1,1 0 481,21 0 0,-1 0 0,7 0 73,-16 0 0,6 0 0,3 0 0,0 0 1,-2 0-74,-8 0 0,-1 0 0,-1 0 0,2 0 0,4 0 0,-1 0 0,2-1 0,2 1 0,3 0 0,1 0 0,1 1 0,0 1 0,4 0 0,3 0 0,0 1 0,-3 1 0,-4-1 0,-8 0-595,15 0 1,-10 0-1,-2 0 1,5 2 594,-13-1 0,6 0 0,2 1 0,-4 1 0,-7-1 0,-13 1 0,16 4 0,-12 1 1237,6-1 0,0 1-1237,-7-2 0,3 2 0,1 4 0,6 3 0,-4-2 0,2-3 0,3 1 0,-15 2 0,6 3 0,5 2 0,0 0 0,10 4 0,3 1 0,0 1 0,-4-2 0,4 0 0,-4 0 0,3 1 233,-8 0 1,6 2 0,-5-1 0,-12-3-234,-6 0 0,-5-1 265,3 2 0,4 3 0,-5-1-265,-7-1 0,-1 1 1638,28 15 0,-7-3-1393,-24-8 1091,1 6-1336,-2 0 0,2 0 2385,27 13-2385,-27-9 0,-4-3 0,-7-8 1843,-14-8-1843,-9 0 480,0-2-480,5 20 0,4 2 0,4 4 0,-5-3 0,0 1 0,12 17 0,0-1 0,8 15 0,-14-23 0,-1 3 0,0-1 0,-3-11 0,2 9 0,-2-3 0,-14-25 0,9 11 0,-4 3 0,6 18 0,-6 2 0,5 11 0,-15-21 0,7 13 0,-15-39 0,3 15 0,1-20 0,-4-1 0,4 4 0,0-4 0,0-4 0,1-3 0,-2-9 0</inkml:trace>
+</inkml:ink>
+</file>
+
+<file path=ppt/ink/ink18.xml><?xml version="1.0" encoding="utf-8"?>
+<inkml:ink xmlns:inkml="http://www.w3.org/2003/InkML">
+  <inkml:definitions>
+    <inkml:context xml:id="ctx0">
+      <inkml:inkSource xml:id="inkSrc0">
+        <inkml:traceFormat>
+          <inkml:channel name="X" type="integer" min="-2.14748E9" max="2.14748E9" units="cm"/>
+          <inkml:channel name="Y" type="integer" min="-2.14748E9" max="2.14748E9" units="cm"/>
+          <inkml:channel name="F" type="integer" max="32767" units="dev"/>
+        </inkml:traceFormat>
+        <inkml:channelProperties>
+          <inkml:channelProperty channel="X" name="resolution" value="1000" units="1/cm"/>
+          <inkml:channelProperty channel="Y" name="resolution" value="1000" units="1/cm"/>
+          <inkml:channelProperty channel="F" name="resolution" value="0" units="1/dev"/>
+        </inkml:channelProperties>
+      </inkml:inkSource>
+      <inkml:timestamp xml:id="ts0" timeString="2021-06-28T12:37:38.463"/>
+    </inkml:context>
+    <inkml:brush xml:id="br0">
+      <inkml:brushProperty name="width" value="0.2" units="cm"/>
+      <inkml:brushProperty name="height" value="0.2" units="cm"/>
+      <inkml:brushProperty name="color" value="#008C3A"/>
+    </inkml:brush>
+  </inkml:definitions>
+  <inkml:trace contextRef="#ctx0" brushRef="#br0">0 2792 22476,'95'-22'0,"0"0"0,-1 0 0,1 1 0,-1-1 0,1 0 0,0 0 0,-1 0 0,1 0 0,0 0 0,-1 1 0,1-1 0,0 0 0,-1 0 0,1 0 0,-1 0 0,1 0 0,0 1 0,-1-1 0,1 0 0,0 0 0,-1 0 0,9 0 0,-5 0 0,-4 3 0,-3 0 0,-2 0 0,-1 1 0,0 0 0,0 0 0,1 0 0,2-2 0,4 0 0,2-2 0,6-1 0,5-3-118,-27 7 1,4-2 0,3 0 0,3-2 0,4-1 0,1-1 0,3 0 0,1-1 0,3 0 0,0-1 0,2-1 0,0 1 0,1-1 0,-1 0 0,1 0 0,-1 0 0,0 0 0,-2 1 0,-1 0 0,-2 0 0,-1 1 0,-3 1 0,-3 0 0,-2 1 0,-3 1 0,-4 1 0,-3 0 0,-5 3-157,30-9 1,-7 3 0,-7 0 0,-5 2 0,-3 1 0,-2 1 0,-1 0 0,2 0 0,1-1 0,4 0 0,5-1 0,7-1 109,-15 4 0,4-1 0,5-1 0,2 0 0,3-1 0,3-1 1,1 1-1,1-1 0,1 1 0,1-1 0,-1 0 0,0 1 1,-2 1-1,-2-1 0,-2 2 0,-2 0 0,-4 1 0,-4 1 1,-4 2-1,-4 0-36,28-5 1,-7 2 0,-7 1 0,-4 2-1,-2 1 1,0 0 0,1 0 0,4-1-1,7 0 138,-14 2 1,2-1 0,3 0 0,2 0 0,1 0 0,2 1 0,-1-1 0,1 0 0,-1 1 0,0 0 0,-2 1 0,-1 1 0,-3 1 61,6-1 0,-1 1 0,1 1 0,-1 0 0,-1 1 0,-2 0 0,0 1 0,-3 0 0,-1 0 0,-3 1 0,-3 0-267,17-1 1,-6 1-1,-4 1 1,-2 0-1,1 0 1,3 0-1,4-1 267,-7 0 0,4-2 0,3 0 0,1-1 0,0 1 0,-1 0 0,-2 2 0,-3 0 0,-4 3 0,14 1 0,-5 3 0,-2 2 0,-2-1 0,-2 1 0,-1-2 0,6-1 0,-3-1 0,-1-1 0,2 1 0,5 1 0,-6 1 0,7 0 0,4 1 0,0 1 0,-3-1 0,-6 0 0,-9 1 0,5-1 0,-9 0 0,-3 0 0,4 0 185,14-1 0,4 1 0,-2 0 1,-7 1-186,-3 1 0,-7 1 0,-1 3 751,-1 1 1,-1 3 0,4 2-752,-2 3 0,5 2 0,0 2 0,-2 2 0,-9 1 0,-1 1 0,-1 1 0,2 1 714,6 1 1,3 1-1,-1 0 1,-4 2-715,8 7 0,-4 2 0,3 1 819,-9-4 0,1 1 0,2 1 0,-3 1-526,-6-1 1,-1 1 0,-1 1 0,1 0-294,3 1 0,0 0 0,-1 0 0,-2 0 0,6 6 0,-4-1 0,-1 2 0,-3 0 0,-1 1 0,-3-2 0,12 4 0,1 1 0,-6 2 0,5 4 0,1 1 819,-15-13 0,1-1 0,1 1 0,1 3-707,-2 1 0,2 4 0,1 0 0,-1 1 0,-3-4-112,1 0 0,-2-3 0,-2 1 0,1 0-338,4 6 0,3 2 1,-6-2-1,-14-8 338,4 24 0,-15-32 0,1 2 1112,16 40-1112,-10-4 0,-11-24 0,-1 2 0,10 30 0,-9-4 298,7-1 1,7 7-299,-4-4 0,3 4 0,-5-10 0,2 4 0,2 0-859,0-5 1,3-2 0,-4-3 858,2 5 0,3 4 19,-3-7 0,6 9 0,2 1 1,-5-6-20,-3-6 0,-3-5 0,4 9 0,-7-5 0,5 11 0,2 5 0,0 0 0,-4-6 0,-4-11 0,0-1 0,-4-9 0,1 5 0,-1 7 0,2 7 0,-2-1 0,-4-9 0,4 6 0,-5-8 0,-1-3 0,0 0 0,5 11 0,0 3 0,-3 5 0,-2-4 0,-8-28 0,0 2 0,0 23 0,0 10 0,-2-9 0,-2-22 0,0 1 0,3 21 0,0 11 0,-4-10 0,-6-25 0,-1-1 0,6 32 0,-2 2 0,-9-25 0,-2-1 1293,1 7 1,0 5-1294,0 1 0,0 6 0,0-3 0,0 13 0,0 3 0,1-5 0,-1 6 0,-1-5 0,-2 6 0,-1-6 898,3-11 0,0-2-898,-6-6 0,-1-6 0,7 5 0,-12 5 0,11-21 0,-4 10 0,6 25 0,0 6 0,0-12 0,0-25 0,0-30 0,0 5 0,0-4 0,0-2 0,0 0 0,0-1 0,0 1 0,0 3 0</inkml:trace>
+</inkml:ink>
+</file>
+
+<file path=ppt/ink/ink19.xml><?xml version="1.0" encoding="utf-8"?>
+<inkml:ink xmlns:inkml="http://www.w3.org/2003/InkML">
+  <inkml:definitions>
+    <inkml:context xml:id="ctx0">
+      <inkml:inkSource xml:id="inkSrc0">
+        <inkml:traceFormat>
+          <inkml:channel name="X" type="integer" min="-2.14748E9" max="2.14748E9" units="cm"/>
+          <inkml:channel name="Y" type="integer" min="-2.14748E9" max="2.14748E9" units="cm"/>
+          <inkml:channel name="F" type="integer" max="32767" units="dev"/>
+        </inkml:traceFormat>
+        <inkml:channelProperties>
+          <inkml:channelProperty channel="X" name="resolution" value="1000" units="1/cm"/>
+          <inkml:channelProperty channel="Y" name="resolution" value="1000" units="1/cm"/>
+          <inkml:channelProperty channel="F" name="resolution" value="0" units="1/dev"/>
+        </inkml:channelProperties>
+      </inkml:inkSource>
+      <inkml:timestamp xml:id="ts0" timeString="2021-06-28T12:37:40.771"/>
+    </inkml:context>
+    <inkml:brush xml:id="br0">
+      <inkml:brushProperty name="width" value="0.2" units="cm"/>
+      <inkml:brushProperty name="height" value="0.2" units="cm"/>
+      <inkml:brushProperty name="color" value="#008C3A"/>
+    </inkml:brush>
+  </inkml:definitions>
+  <inkml:trace contextRef="#ctx0" brushRef="#br0">22 1 24575,'-6'34'0,"3"33"0,2 20 0,0-18 0,1 6 0,1 5 0,-1-2-820,0-2 1,0 1 0,0 1 0,0 1-1,0 13 1,0 3 0,0-1 0,0-5 364,0 1 0,0-5 0,0 5 455,-3-7 0,-1 3 0,1 3 0,2 1 12,3 6 1,4 1-1,-1 2 1,0-1-13,-4-16 0,-2 0 0,1 1 0,1-2 0,2-4 0,5 0 0,2-4 0,2 0 0,-1 3 318,2 20 1,1 5 0,0-2 0,1-9-319,1-12 0,1-7 0,0 4 0,-1 24 0,0 4 0,-2-13 0,-2-22 0,-3-9 0,-2 28 3276,-6-44-2708,5 26 1678,-6-34-2246,6 12 504,10 24-504,-2-14 0,8 7 0,-16-33 0,9 28 0,1 6 0,-3-1 0,8 28 0,0 2 0,-3-10 0,-9-29 0,-1 2 0,3-2 0,0-1 0,-1 35 0,7-3 0,2-2 0,-2-5 0,-4-16 0,-1-7 0,-6-29 0,4 4 0,-9-14 0,9 4 0,-4-3 0,5 9 0,-5-11 0,20 43 0,-15-24 0,27 50 0,-27-48 0,10 18 0,-15-30 0,1 3 0,2-4 0,2 62 0,10-5 0,1 2 0,-13-28 0,0 0 0,9 10 0,0 0 0</inkml:trace>
+</inkml:ink>
+</file>
+
 <file path=ppt/ink/ink2.xml><?xml version="1.0" encoding="utf-8"?>
 <inkml:ink xmlns:inkml="http://www.w3.org/2003/InkML">
   <inkml:definitions>
@@ -173,6 +455,62 @@
 </inkml:ink>
 </file>
 
+<file path=ppt/ink/ink20.xml><?xml version="1.0" encoding="utf-8"?>
+<inkml:ink xmlns:inkml="http://www.w3.org/2003/InkML">
+  <inkml:definitions>
+    <inkml:context xml:id="ctx0">
+      <inkml:inkSource xml:id="inkSrc0">
+        <inkml:traceFormat>
+          <inkml:channel name="X" type="integer" min="-2.14748E9" max="2.14748E9" units="cm"/>
+          <inkml:channel name="Y" type="integer" min="-2.14748E9" max="2.14748E9" units="cm"/>
+          <inkml:channel name="F" type="integer" max="32767" units="dev"/>
+        </inkml:traceFormat>
+        <inkml:channelProperties>
+          <inkml:channelProperty channel="X" name="resolution" value="1000" units="1/cm"/>
+          <inkml:channelProperty channel="Y" name="resolution" value="1000" units="1/cm"/>
+          <inkml:channelProperty channel="F" name="resolution" value="0" units="1/dev"/>
+        </inkml:channelProperties>
+      </inkml:inkSource>
+      <inkml:timestamp xml:id="ts0" timeString="2021-06-28T12:37:42.184"/>
+    </inkml:context>
+    <inkml:brush xml:id="br0">
+      <inkml:brushProperty name="width" value="0.2" units="cm"/>
+      <inkml:brushProperty name="height" value="0.2" units="cm"/>
+      <inkml:brushProperty name="color" value="#008C3A"/>
+    </inkml:brush>
+  </inkml:definitions>
+  <inkml:trace contextRef="#ctx0" brushRef="#br0">0 66 24575,'66'0'0,"-7"0"0,8 0 0,4 0 0,17 0 0,-23 0 0,1 0 0,24 0 0,-33 0 0,4 0 0,-29 0 0,-15 0 0,0 0 0,2 0 0,-6 0 0,7 0 0,15-6 0,6-1 0,13-7 0,-9 6 0,5-4 0,-21 11 0,26-10 0,-38 10 0,6-4 0</inkml:trace>
+</inkml:ink>
+</file>
+
+<file path=ppt/ink/ink21.xml><?xml version="1.0" encoding="utf-8"?>
+<inkml:ink xmlns:inkml="http://www.w3.org/2003/InkML">
+  <inkml:definitions>
+    <inkml:context xml:id="ctx0">
+      <inkml:inkSource xml:id="inkSrc0">
+        <inkml:traceFormat>
+          <inkml:channel name="X" type="integer" min="-2.14748E9" max="2.14748E9" units="cm"/>
+          <inkml:channel name="Y" type="integer" min="-2.14748E9" max="2.14748E9" units="cm"/>
+          <inkml:channel name="F" type="integer" max="32767" units="dev"/>
+        </inkml:traceFormat>
+        <inkml:channelProperties>
+          <inkml:channelProperty channel="X" name="resolution" value="1000" units="1/cm"/>
+          <inkml:channelProperty channel="Y" name="resolution" value="1000" units="1/cm"/>
+          <inkml:channelProperty channel="F" name="resolution" value="0" units="1/dev"/>
+        </inkml:channelProperties>
+      </inkml:inkSource>
+      <inkml:timestamp xml:id="ts0" timeString="2021-06-28T12:37:43.785"/>
+    </inkml:context>
+    <inkml:brush xml:id="br0">
+      <inkml:brushProperty name="width" value="0.2" units="cm"/>
+      <inkml:brushProperty name="height" value="0.2" units="cm"/>
+      <inkml:brushProperty name="color" value="#008C3A"/>
+    </inkml:brush>
+  </inkml:definitions>
+  <inkml:trace contextRef="#ctx0" brushRef="#br0">0 692 24575,'85'31'0,"-43"-23"0,32 34 0,-57-39 0,-6 12 0,-1-14 0,0 9 0,5-5 0,21 10 0,-8-8 0,8 2 0,-19-9 0,0 6 0,16 0 0,28 27 0,-18-1 0,-1 1 0,23 17 0,-11 10 0,-38-45 0,-1-4 0,-4-1 0,4-4 0,-5-2 0,-1-4 0,1 0 0,-1-5 0,-3-7 0,4-6 0,4-43 0,0-7 0,-2 10 0,4-11 0,10-10 0,7-9 0,-4 8 0,-6 14 0,0 0 0,5-7 0,3-6 0,-2 15 0,8-1 0,-15 12 0,13-5 0,-23 35 0,-3 8 0,-9 11 0</inkml:trace>
+</inkml:ink>
+</file>
+
 <file path=ppt/ink/ink3.xml><?xml version="1.0" encoding="utf-8"?>
 <inkml:ink xmlns:inkml="http://www.w3.org/2003/InkML">
   <inkml:definitions>
@@ -198,6 +536,174 @@
     </inkml:brush>
   </inkml:definitions>
   <inkml:trace contextRef="#ctx0" brushRef="#br0">0 0 24575,'50'0'0,"1"0"0,11 7 0,6 0 0,-9-3 0,0 1 0,11 5 0,2 1 0,1 0 0,-9 0 0,-18-2 0,34 5 0,-63-10 0,2 1 0,-6 4 0,-4-1 0,-12 13 0,-5-4 0,-18 43 0,-15 39 0,-3 9 0,10-21 0,9-26 0,2 2 0,-5 17 0,-7 24 0,0 6 0,4-10 0,11-27 0,10 4 0,0-3 0,3-6 0,7-25 0,-5-4 0,4-6 0,-4-10 0,5-11 0,0-2 0,0-4 0,0-7 0</inkml:trace>
+</inkml:ink>
+</file>
+
+<file path=ppt/ink/ink4.xml><?xml version="1.0" encoding="utf-8"?>
+<inkml:ink xmlns:inkml="http://www.w3.org/2003/InkML">
+  <inkml:definitions>
+    <inkml:context xml:id="ctx0">
+      <inkml:inkSource xml:id="inkSrc0">
+        <inkml:traceFormat>
+          <inkml:channel name="X" type="integer" min="-2.14748E9" max="2.14748E9" units="cm"/>
+          <inkml:channel name="Y" type="integer" min="-2.14748E9" max="2.14748E9" units="cm"/>
+          <inkml:channel name="F" type="integer" max="32767" units="dev"/>
+        </inkml:traceFormat>
+        <inkml:channelProperties>
+          <inkml:channelProperty channel="X" name="resolution" value="1000" units="1/cm"/>
+          <inkml:channelProperty channel="Y" name="resolution" value="1000" units="1/cm"/>
+          <inkml:channelProperty channel="F" name="resolution" value="0" units="1/dev"/>
+        </inkml:channelProperties>
+      </inkml:inkSource>
+      <inkml:timestamp xml:id="ts0" timeString="2021-06-28T11:40:09.548"/>
+    </inkml:context>
+    <inkml:brush xml:id="br0">
+      <inkml:brushProperty name="width" value="0.2" units="cm"/>
+      <inkml:brushProperty name="height" value="0.2" units="cm"/>
+      <inkml:brushProperty name="color" value="#E71224"/>
+    </inkml:brush>
+  </inkml:definitions>
+  <inkml:trace contextRef="#ctx0" brushRef="#br0">949 8 24575,'-63'0'0,"20"0"0,-46 0 0,24 0 0,1-6 0,12 15 0,-2 5 0,-37 16 0,29 1 0,3 3 0,-14 15 0,18-3 0,41-22 0,-3 1 0,-12 28 0,9-6 0,2 2 0,-11 21 0,7-9 0,6-1 0,13-6 0,-8 13 0,11-20 0,0-18 0,0-4 0,0 6 0,0 6 0,0 45 0,0-35 0,0 46 0,6-63 0,0 10 0,6-7 0,11 17 0,-8-7 0,3 10 0,-2-18 0,-8-8 0,10 8 0,-6 0 0,5-3 0,-4 9 0,8-12 0,-9 4 0,4-15 0,-1 13 0,-4-19 0,5 8 0,-6-14 0,1 8 0,4-2 0,11 14 0,-7-9 0,15 13 0,-6-7 0,11 9 0,-9-9 0,33 19 0,-43-26 0,49 20 0,-53-24 0,38 15 0,-32-13 0,44 24 0,-13-11 0,24 14 0,-32-16 0,0-3 0,-16-5 0,24 8 0,-1 0 0,6-6 0,-21-3 0,-8-14 0,-5 3 0,11 0 0,21 2 0,16 5 0,-4-5 0,-13-1 0,-5-6 0,5 0 0,5 0 0,11 0 0,-13 0 0,0 0 0,-2-6 0,-18 5 0,12-15 0,-11 8 0,19-14 0,-19 9 0,12-5 0,-17 5 0,3 1 0,6-1 0,2-11 0,11-7 0,-4-7 0,-11-3 0,-12-6 0,-16 14 0,-3-6 0,-5 14 0,-3 1 0,8 0 0,-2-19 0,11-12 0,3-29 0,0 9 0,0-4 0,-7 17 0,0-8 0,-1 15 0,-6-34 0,-2 48 0,-6-27 0,0 41 0,0-63 0,0 44 0,0-11 0,0 0 0,0 11 0,0-25 0,-11 24 0,-2-6 0,-6 22 0,-13-19 0,11 28 0,-40-27 0,9 16 0,-26-19 0,27 24 0,5-11 0,11 15 0,0 3 0,-2-8 0,-5 10 0,-11-16 0,-11 8 0,8-2 0,0 17 0,21 1 0,-9 3 0,-16-10 0,-4-4 0,-7 2 0,-6-1 0,1 1 0,19 5 0,-38 0 0,28 1 0,7 9 0,0 2 0,-15-3 0,-1 6 0,48 0 0,13 0 0,4 4 0,-4 6 0,5-3 0,0 6 0,0-12 0,5 8 0,0-4 0,5 5 0,0-5 0,0-1 0</inkml:trace>
+</inkml:ink>
+</file>
+
+<file path=ppt/ink/ink5.xml><?xml version="1.0" encoding="utf-8"?>
+<inkml:ink xmlns:inkml="http://www.w3.org/2003/InkML">
+  <inkml:definitions>
+    <inkml:context xml:id="ctx0">
+      <inkml:inkSource xml:id="inkSrc0">
+        <inkml:traceFormat>
+          <inkml:channel name="X" type="integer" min="-2.14748E9" max="2.14748E9" units="cm"/>
+          <inkml:channel name="Y" type="integer" min="-2.14748E9" max="2.14748E9" units="cm"/>
+          <inkml:channel name="F" type="integer" max="32767" units="dev"/>
+        </inkml:traceFormat>
+        <inkml:channelProperties>
+          <inkml:channelProperty channel="X" name="resolution" value="1000" units="1/cm"/>
+          <inkml:channelProperty channel="Y" name="resolution" value="1000" units="1/cm"/>
+          <inkml:channelProperty channel="F" name="resolution" value="0" units="1/dev"/>
+        </inkml:channelProperties>
+      </inkml:inkSource>
+      <inkml:timestamp xml:id="ts0" timeString="2021-06-28T11:40:12.955"/>
+    </inkml:context>
+    <inkml:brush xml:id="br0">
+      <inkml:brushProperty name="width" value="0.2" units="cm"/>
+      <inkml:brushProperty name="height" value="0.2" units="cm"/>
+      <inkml:brushProperty name="color" value="#E71224"/>
+    </inkml:brush>
+  </inkml:definitions>
+  <inkml:trace contextRef="#ctx0" brushRef="#br0">7195 5078 24575,'-94'0'0,"37"-1"0,-11 2 0,-15 2 0,-18 3 0,-5 1 0,10-1-1093,6 0 1,5-1 0,-8 1 436,8-1 1,-5-1-1,-6 1 1,-4 1 0,-4-1 317,19-1 1,-6 1-1,-5-1 1,-1 1-1,1 0 0,3-1 1,7-1-1,10 0 338,-9-1 0,12-1 0,1 0 0,-10 1 0,-2 0 0,-13 2 0,-7 0 0,1 0 0,5-1 0,13 0 0,20-1 791,3-2 1,11 0-792,-5 1 0,-2-2 797,-22-6 0,-2-3-797,9-1 0,-1-4 0,6-5 0,-3-3 0,2 0 0,-16-4 0,4-2 0,-7-9 0,2 0 0,17 10 0,4 0 0,0-7 0,4-1 0,10 11 0,4 0 0,3-5 0,3 0 0,-19-2 1638,11-11 0,-9-12-1195,5 6 1,-8-8 0,-1-1 0,6 5-444,6 6 0,4 3 0,-4-5 256,-10-11 1,-5-6 0,1 0 0,9 7-257,1-6 0,7 4 0,1 3 0,0-4 0,0-3 0,-3-7 0,2 3 0,10 12 0,2 2 0,0-2 0,-6-12 0,-1-1 0,3 1-750,-10-14 0,5 4 750,12 18 0,0 0 0,-3-8 0,0-1 0,3 8 0,0-2 0,-12-23 0,2 1 0,16 27 0,1-1 0,-7-30 0,2 3 0,-6-4 0,12 18 0,0-1 0,4 22 0,1 2 0,-17-41 0,13 27 0,-4-8 0,2 4 0,0-1 0,1 2 0,-7-19 0,0-1 0,8 17 0,1 3 0,2 4 0,1 1 0,1 5 0,0 1 750,-4-3 0,2 2-750,-4-22 0,1 22 0,-3-30 0,5 30 0,-10-19 0,1 20 0,6 14 0,4 17 0,14 15 0,-3 4 0,3-7 0,-4 10 0,-1-15 0,1 11 0,-5-8 0,3 9 0,-2 1 0,8 10 0,2 37 0,4-9 0,0 24 0,0-18 0,0-5 0,0 45 0,0-28 0,0 32 0,0-41 0,0 16 0,0-20 0,0 8 0,0-22 0,0 22 0,0 16 0,0-8 0,0-4 0,0-22 0,0-15 0,0 8 0,0-10 0,0-13 0,0-33 0,0 0 0,0-25 0,0 19 0,0-37 0,0 9 0,0-6 0,0 25 0,0 15 0,5-8 0,-3 5 0,8-12 0,-9 25 0,4-2 0,-5 4 0,5-5 0,-3 4 0,13-17 0,-7 20 0,8-6 0,-9 10 0,2-4 0,-8 8 0,9-17 0,-9 13 0,3-3 0,-4 6 0,0 5 0,0-2 0,0 2 0,0-1 0,0 0 0,0-1 0,0 1 0,5 0 0,-4 0 0,7 5 0,-2 1 0,3 8 0,1 2 0,12 39 0,-7-12 0,16 30 0,3-3 0,10 13 0,7-5 0,-17-22 0,5 1 0,16 4 0,1-3 0,-15-15 0,-1-1 0,10 11 0,-5-6 0,-13-17 0,-8-1 0,-6-2 0,10 5 0,-15-9 0,13 13 0,-5-14 0,-3-2 0,1-5 0,-9-5 0,-1 0 0,-4 4 0,0 1 0,-5 1 0,0-2 0</inkml:trace>
+</inkml:ink>
+</file>
+
+<file path=ppt/ink/ink6.xml><?xml version="1.0" encoding="utf-8"?>
+<inkml:ink xmlns:inkml="http://www.w3.org/2003/InkML">
+  <inkml:definitions>
+    <inkml:context xml:id="ctx0">
+      <inkml:inkSource xml:id="inkSrc0">
+        <inkml:traceFormat>
+          <inkml:channel name="X" type="integer" min="-2.14748E9" max="2.14748E9" units="cm"/>
+          <inkml:channel name="Y" type="integer" min="-2.14748E9" max="2.14748E9" units="cm"/>
+          <inkml:channel name="F" type="integer" max="32767" units="dev"/>
+        </inkml:traceFormat>
+        <inkml:channelProperties>
+          <inkml:channelProperty channel="X" name="resolution" value="1000" units="1/cm"/>
+          <inkml:channelProperty channel="Y" name="resolution" value="1000" units="1/cm"/>
+          <inkml:channelProperty channel="F" name="resolution" value="0" units="1/dev"/>
+        </inkml:channelProperties>
+      </inkml:inkSource>
+      <inkml:timestamp xml:id="ts0" timeString="2021-06-28T11:40:17.855"/>
+    </inkml:context>
+    <inkml:brush xml:id="br0">
+      <inkml:brushProperty name="width" value="0.2" units="cm"/>
+      <inkml:brushProperty name="height" value="0.2" units="cm"/>
+      <inkml:brushProperty name="color" value="#E71224"/>
+    </inkml:brush>
+  </inkml:definitions>
+  <inkml:trace contextRef="#ctx0" brushRef="#br0">2977 223 24575,'0'50'0,"0"1"0,0 39 0,0-33 0,0 9 0,0 20 0,0 13 0,0-8 0,0-6 0,0 0 0,0 1 0,0 8 0,0 0 0,0 2 0,0-1 0,0-9 0,0-13 0,0 2 0,0 6 0,0 15 0,0 0 0,0-16 0,0-12 0,0 2 0,0 3 0,-1 16 0,1 6 0,0-6 0,1-16 0,3-1 0,0-3 0,-4 10 0,-1 15 0,1-2 0,3-21 0,11 10 0,-9 6 0,-2-2 0,6-14 0,1 29 0,-1-2 0,-6-46 0,6 11 0,0-4 0,-8-31 0,9 15 0,-9-24 0,4 0 0,-1-13 0,-3 3 0,3-4 0,1 10 0,-4-4 0,4 10 0,-5 8 0,0-2 0,5 8 0,-3-3 0,8 16 0,-4-7 0,1 17 0,2-32 0,-7 29 0,8-31 0,-4 48 0,1-41 0,4 19 0,-10-21 0,10 31 0,-10-12 0,10 28 0,-9-37 0,3-1 0,-5-20 0,0-3 0,0-4 0,0-1 0,0 0 0,0 0 0,0 0 0,-4-5 0,-8-1 0,-35-4 0,8 0 0,-23 0 0,-16 0 0,19 0 0,-30 0 0,-1 0 0,-4 0 0,37 0 0,0 0 0,-8 1 0,-7 1 0,-3 3 0,-17 8 0,-5 3 0,9 0 0,5-2 0,0 0-153,-8 3 0,-8 3 0,8-4 153,7-5 0,6-3 0,4 1 0,1-1 0,-7-2 0,-1-2 0,3 0 0,3-1 0,10-2 0,4-2 0,9 1 0,-2 0 0,-24 0 0,3 0 0,-3 0 0,-17-4 0,0-5 0,16-5 0,22 6 0,4 0 0,11-9 0,13 6 459,10-2-459,2-2 0,13-5 0,4-9 0,0-2 0,0-11 0,18-28 0,-7 11 0,6-2 0,1-5 0,-8 15 0,-1-4 0,2-24 0,0-12 0,0 4 0,1-3 0,-1-4-168,-5 13 0,-2-9 1,0-3-1,1 5 168,-1 11 0,1 2 0,0 1 0,-2-3 0,-2-13 0,0-4 0,-2 1 0,2 5-926,1-8 1,1 4-1,-1 4 926,-1 11 0,-1 3 0,-1 1-631,1 0 0,0 0 1,0 6 630,0 7 0,0-4 0,0-12 0,0-14 0,0 1 0,0 16 0,0 18 0,0 3 0,0-47 0,0 6 0,0 34 0,0 4 512,0 2-512,0-9 2552,0 7-2552,0-18 2276,0-2-2276,0-19 0,0 17 0,0 11 0,0 2 0,6-6 0,2 7 0,5-3 0,0 16 0,-6 13 0,4-7 0,-5 12 0,16-6 0,-8 21 0,6-13 0,-5 20 0,-4 4 0,4-13 0,-5 12 0,-4-8 0,4 4 0,-4-10 0,4 3 0,1-15 0,-6 15 0,11-25 0,-4 12 0,7-12 0,1 11 0,-3 10 0,-1 10 0,6 3 0,0 9 0,4 0 0,29 0 0,-13 0 0,22 0 0,-16 0 0,16 0 0,-22 0 0,13 3 0,2 0 0,-1-1 0,33 9 0,5 0 0,-4-7 0,-22 1 0,10 1 0,-9-2 0,21-4 0,6 0 0,-1 0 0,-10 0 0,-16 0 0,-3 0 0,-7 0 0,-2 0 0,-39 0 0,-3 0 0,-5 0 0,-4-5 0,2 4 0,-3-4 0,10 5 0,-4 0 0,4 0 0,5 5 0,4 18 0,23 10 0,6 17 0,2-9 0,7 8 0,-7-8 0,-9-5 0,-2-1 0,3 4 0,26 23 0,-63-48 0,13 6 0,-18-11 0,1-4 0,-1 6 0,-5-1 0,0-5 0,0 0 0</inkml:trace>
+</inkml:ink>
+</file>
+
+<file path=ppt/ink/ink7.xml><?xml version="1.0" encoding="utf-8"?>
+<inkml:ink xmlns:inkml="http://www.w3.org/2003/InkML">
+  <inkml:definitions>
+    <inkml:context xml:id="ctx0">
+      <inkml:inkSource xml:id="inkSrc0">
+        <inkml:traceFormat>
+          <inkml:channel name="X" type="integer" min="-2.14748E9" max="2.14748E9" units="cm"/>
+          <inkml:channel name="Y" type="integer" min="-2.14748E9" max="2.14748E9" units="cm"/>
+          <inkml:channel name="F" type="integer" max="32767" units="dev"/>
+        </inkml:traceFormat>
+        <inkml:channelProperties>
+          <inkml:channelProperty channel="X" name="resolution" value="1000" units="1/cm"/>
+          <inkml:channelProperty channel="Y" name="resolution" value="1000" units="1/cm"/>
+          <inkml:channelProperty channel="F" name="resolution" value="0" units="1/dev"/>
+        </inkml:channelProperties>
+      </inkml:inkSource>
+      <inkml:timestamp xml:id="ts0" timeString="2021-06-28T11:40:03.381"/>
+    </inkml:context>
+    <inkml:brush xml:id="br0">
+      <inkml:brushProperty name="width" value="0.2" units="cm"/>
+      <inkml:brushProperty name="height" value="0.2" units="cm"/>
+      <inkml:brushProperty name="color" value="#E71224"/>
+    </inkml:brush>
+  </inkml:definitions>
+  <inkml:trace contextRef="#ctx0" brushRef="#br0">333 50 24575,'0'62'0,"0"0"0,0 36 0,0-30 0,0 0 0,0 27 0,-2-31 0,-1 2 0,2-14 0,0-2 0,-4 47 0,5 0 0,0-53 0,0 39 0,0-38 0,0 5 0,0-10 0,0 13 0,0-10 0,0 13 0,0-21 0,0-11 0,0 22 0,0-6 0,0 18 0,0-5 0,0 0 0,0-9 0,0 11 0,0-27 0,0 6 0,0-11 0,0 20 0,0-19 0,0 18 0,0-32 0,4-4 0,1-2 0,5-4 0,0 0 0,15 0 0,-5 0 0,12 0 0,-13 0 0,33 0 0,-27 0 0,36 0 0,5 0 0,-24 0 0,33 0 0,-48 0 0,37 5 0,-32-4 0,58 11 0,-38-11 0,31 6 0,-17-7 0,-11 0 0,-11 0 0,14 0 0,-20 0 0,25 2 0,3 2 0,-8 3 0,5-1 0,-1 1 0,-14 6 0,40-1 0,-17 7 0,-17-12 0,-1 1 0,14 12 0,14-7 0,-26-5 0,0 4 0,-11-10 0,-1 4 0,3-6 0,-13 0 0,-2-4 0,-26-1 0,-5-10 0,-6-7 0,5-10 0,-4 1 0,-7-19 0,3 14 0,-4-16 0,-6-17 0,16-15 0,-4 5 0,1-4 0,5 25 0,2-2 0,-1-32 0,0-3 0,0 13 0,0 5 0,-1 12 0,2 1 0,2-7 0,1 6 0,-3 3 0,3 0 0,-1-1 0,-3-5 0,3-6 0,0 4 0,-1 29 0,4-30 0,-6 44 0,0-2 0,5 6 0,1-14 0,1 14 0,3-34 0,-9 35 0,5-12 0,-6-2 0,0 20 0,-15-10 0,0 21 0,-20 11 0,1 2 0,-7 6 0,-37 7 0,19-5 0,13-4 0,-7-1 0,-36 3 0,-9-3 0,34-3 0,-2-2 0,-4 1-820,-7 0 1,-6 1 0,-1-1 0,6 0 708,2-3 1,5-1-1,-5 1 111,-3 2 0,-6 1 0,2 0 0,9-2 0,-2-2 0,-1-2 0,1 3 0,-11 1 0,1-1 0,16-1 0,17-3 0,3 0 0,-39 0 0,10 0 0,41 0 0,13-4 0,15 3 3276,16-3-3193,8 4 0,-8 0 0,3 0 1</inkml:trace>
+</inkml:ink>
+</file>
+
+<file path=ppt/ink/ink8.xml><?xml version="1.0" encoding="utf-8"?>
+<inkml:ink xmlns:inkml="http://www.w3.org/2003/InkML">
+  <inkml:definitions>
+    <inkml:context xml:id="ctx0">
+      <inkml:inkSource xml:id="inkSrc0">
+        <inkml:traceFormat>
+          <inkml:channel name="X" type="integer" min="-2.14748E9" max="2.14748E9" units="cm"/>
+          <inkml:channel name="Y" type="integer" min="-2.14748E9" max="2.14748E9" units="cm"/>
+          <inkml:channel name="F" type="integer" max="32767" units="dev"/>
+        </inkml:traceFormat>
+        <inkml:channelProperties>
+          <inkml:channelProperty channel="X" name="resolution" value="1000" units="1/cm"/>
+          <inkml:channelProperty channel="Y" name="resolution" value="1000" units="1/cm"/>
+          <inkml:channelProperty channel="F" name="resolution" value="0" units="1/dev"/>
+        </inkml:channelProperties>
+      </inkml:inkSource>
+      <inkml:timestamp xml:id="ts0" timeString="2021-06-28T11:40:05.755"/>
+    </inkml:context>
+    <inkml:brush xml:id="br0">
+      <inkml:brushProperty name="width" value="0.2" units="cm"/>
+      <inkml:brushProperty name="height" value="0.2" units="cm"/>
+      <inkml:brushProperty name="color" value="#E71224"/>
+    </inkml:brush>
+  </inkml:definitions>
+  <inkml:trace contextRef="#ctx0" brushRef="#br0">22 4618 24575,'0'-33'0,"0"-61"0,0 7 0,0 18 0,0-14 0,-2-2 0,-1-14 0,1-4 0,0 7 0,1 4 0,0 5 0,0-7-656,0 9 1,-1-8-1,0-3 1,0 5 0,1 12-60,0 5 0,1 10 1,1-3 714,1-14 0,1-3 0,1 3 272,4-11 1,3-1-273,1 4 0,1-7 0,2 4 0,0 18 0,1 3 0,0 1 0,-1 2 0,1 1 0,0 3 0,5-19 0,-1 8 0,4-22-151,-8 37 0,1 6 151,-1 11 0,2-6 0,1 1 0,-4 9 3276,9-17-2583,-5 14 120,6-22-813,-3 12 198,-4 0 0,1-3-198,4-14 0,-9 15 0,0-1 0,6-30 0,-9 25 0,-1-1 0,4-21 0,-7 27 0,0 0 0,4-12 0,-10 1 0,4 7 0,-5 35 0,0 11 0,-6 38 0,-8 36 0,-8-13 0,0 30 0,-17-17 0,8 12 0,-21 2 0,17-2 0,-2-26 0,17-4 0,3-19 0,-14 19 0,19-20 0,-16 17 0,26-28 0,-2 3 0,16-65 0,10-6 0,7-29 0,7 7 0,6 8 0,-10 13 0,9-3 0,2 2 0,-7 12 0,-2 5 0,1 2 0,8 2 0,4-2 0,8-2 0,-11 9 0,-12 8 0,0 10 0,-6-4 0,24-4 0,-27 13 0,13-6 0,-31 19 0,0 2 0,-10 25 0,-8 20 0,-1 4 0,-5 0 0,6 3 0,-6-9 0,10 13 0,-15 19 0,16-22 0,-5 18 0,7-17 0,6-21 0,0 0 0,0-17 0,0-5 0,0-2 0,0-5 0,0 0 0,0 0 0,0-4 0,0-2 0</inkml:trace>
+</inkml:ink>
+</file>
+
+<file path=ppt/ink/ink9.xml><?xml version="1.0" encoding="utf-8"?>
+<inkml:ink xmlns:inkml="http://www.w3.org/2003/InkML">
+  <inkml:definitions>
+    <inkml:context xml:id="ctx0">
+      <inkml:inkSource xml:id="inkSrc0">
+        <inkml:traceFormat>
+          <inkml:channel name="X" type="integer" min="-2.14748E9" max="2.14748E9" units="cm"/>
+          <inkml:channel name="Y" type="integer" min="-2.14748E9" max="2.14748E9" units="cm"/>
+          <inkml:channel name="F" type="integer" max="32767" units="dev"/>
+        </inkml:traceFormat>
+        <inkml:channelProperties>
+          <inkml:channelProperty channel="X" name="resolution" value="1000" units="1/cm"/>
+          <inkml:channelProperty channel="Y" name="resolution" value="1000" units="1/cm"/>
+          <inkml:channelProperty channel="F" name="resolution" value="0" units="1/dev"/>
+        </inkml:channelProperties>
+      </inkml:inkSource>
+      <inkml:timestamp xml:id="ts0" timeString="2021-06-28T11:40:23.083"/>
+    </inkml:context>
+    <inkml:brush xml:id="br0">
+      <inkml:brushProperty name="width" value="0.2" units="cm"/>
+      <inkml:brushProperty name="height" value="0.2" units="cm"/>
+      <inkml:brushProperty name="color" value="#E71224"/>
+    </inkml:brush>
+  </inkml:definitions>
+  <inkml:trace contextRef="#ctx0" brushRef="#br0">13369 5854 24575,'-44'-7'0,"13"0"0,-53-21 0,22 1 0,-3-1 0,2 5 0,-4-1 0,-8-7 0,-8-2 0,11 5 0,20 11 0,-2-1 0,-24-9 0,-20-8 0,-1-1 0,17 7 0,13 7 0,2 1 0,0-2 0,-10-4 0,1 0 0,10 4 0,1 1 0,6 1 0,-5-4 0,-1 0 0,7 3 0,-5-1 0,-9-3 0,-7-3 0,5 2 0,7 2 0,-3 1 0,2 3 0,-10-2 0,0 1 0,10 3 0,-3-1 0,5 3-515,-29-4 1,6 1 514,4-5 0,16 10 0,-1-2 0,-18-17 0,25 18 0,-1 0 0,-24-13 0,36 13 0,-2 0 0,-12 0 0,-4-1 0,-9-8 0,2 2 0,15 8 0,2 2-241,-3-3 0,4 0 241,-26-8 0,24 7 0,-1 0 0,-32-11 0,24 4 0,-10-3 0,6 2 0,5 4 0,0 0 0,-15-8 0,-8-6 0,9 6 0,17 9 0,4 2 501,-8-9 1,1 1-502,12 10 0,4 0 0,-18-16 0,23 13 0,-3-1 0,-37-24 0,1-2 0,42 23 0,-3-2 0,-15-9 0,1 0 0,16 12 0,0 0 0,-8-6 0,-3-2 254,-6-1 0,1 0-254,11 5 0,1 1 0,-7-6 0,1 2 0,-33-9 0,12-1 0,0-1 0,-7 4 0,24 4 0,-7-7 0,10 7 0,-12-4 0,-8-8 0,-5-3 0,19 11 0,-1 0 0,4 3 0,-5-1 0,1 1 0,-21-14 0,1 1 0,0 5 0,-2-2 0,11 3 0,-4-2 0,6 3 0,4 0 0,0-1 0,-12-8 0,-7-5 0,7 4 0,5 3 0,-1-1 0,15 10 0,-7-4 0,-2 0 0,3 5-283,-5 0 1,2 3 0,-1 0 282,-10-8 0,-2-1 0,4 5 0,-14 3 0,4 4-62,3-8 0,3 1 62,5 8 0,1 0 0,6 1 0,-2-2 0,-13-5 0,1 1 0,22 10 0,2 2 0,-2-5 0,-1 1 0,2 3 0,0 0 0,3-3 0,-1-1 0,-2 3 0,-1-1 0,-11-13 0,6 2 0,8 0 0,15 10 0,-4-3 0,-22-12 0,0 1 0,-12 4 0,-3-9 0,3 3 0,27 18 0,4 4 0,1-1 0,2-8 0,-28 1 0,20-2 0,1 1 0,-11 4 0,11-3 0,-2-3 0,9 6 0,4 2 0,-16-6 421,17 3 0,1 0-421,-6 4 129,-10-17-129,-4 2 0,21 9 0,-3 0 0,-38-18 0,20 14 0,9 6 0,25 20 0,-11 0 0,9 0 0,4 6 0,5 0 0,-17-5 0,16-1 0,-20-1 0,21-2 0,-7 2 0,-5-9 0,-20-7 0,26 5 0,-17-3 0,34 11 0,-3-1 0,0 1 0,3 4 0,-2 1 0,8 9 0,2 2 0,14 21 0,-1-7 0,13 16 0,-8-12 0,20 11 0,-7 3 0,19 26 0,-4-2 0,-7-3 0,-8-20 0,-16-19 0,-2-10 0,-3 5 0,0-4 0,2 9 0,-7-5 0,4 1 0,-1-1 0,-2-5 0,2 1 0,-4-1 0,5 0 0,-4 1 0,8 3 0,-8-3 0,8 4 0,-8-6 0,7 1 0,-7-1 0,8 1 0,-8-1 0,7 1 0,-23-31 0,-2-21 0,-9-6 0,8-13 0,1 6 0,14 16 0,-14-15 0,11 19 0,-6 10 0,6-15 0,-4 18 0,9-1 0,-4 8 0,5-2 0,0-9 0,-4 7 0,3-10 0,-3 18 0,-1-9 0,-1-1 0,-5-1 0,1-4 0,-1 5 0,5 0 0,-3 0 0,3 4 0,-5-13 0,0 11 0,5-13 0,-4 11 0,4-7 0,-5 6 0,5 0 0,-3 7 0,8 4 0,-4 9 0,19 13 0,0 2 0,25 13 0,-5-12 0,11 5 0,4-1 0,1 0 0,6 2 0,36 16 0,-13-5 0,-43-20 0,36 17 0,-28-22 0,-14 1 0,8-3 0,-21-4 0,9 0 0,-12 0 0,12 0 0,13 0 0,-21 0 0,20 0 0,-28 0 0,6-4 0,-5 3 0,4-9 0,-1 5 0,-7-6 0,12 6 0,-13 0 0,9 5 0,-10 22 0,0-16 0,-5 16 0</inkml:trace>
 </inkml:ink>
 </file>
 
@@ -350,7 +856,7 @@
           <a:p>
             <a:fld id="{65833200-695C-0F4C-ACEB-D68ACE86B34B}" type="datetimeFigureOut">
               <a:rPr lang="en-TR" smtClean="0"/>
-              <a:t>28.06.2021</a:t>
+              <a:t>29.06.2021</a:t>
             </a:fld>
             <a:endParaRPr lang="en-TR"/>
           </a:p>
@@ -550,7 +1056,7 @@
           <a:p>
             <a:fld id="{65833200-695C-0F4C-ACEB-D68ACE86B34B}" type="datetimeFigureOut">
               <a:rPr lang="en-TR" smtClean="0"/>
-              <a:t>28.06.2021</a:t>
+              <a:t>29.06.2021</a:t>
             </a:fld>
             <a:endParaRPr lang="en-TR"/>
           </a:p>
@@ -760,7 +1266,7 @@
           <a:p>
             <a:fld id="{65833200-695C-0F4C-ACEB-D68ACE86B34B}" type="datetimeFigureOut">
               <a:rPr lang="en-TR" smtClean="0"/>
-              <a:t>28.06.2021</a:t>
+              <a:t>29.06.2021</a:t>
             </a:fld>
             <a:endParaRPr lang="en-TR"/>
           </a:p>
@@ -960,7 +1466,7 @@
           <a:p>
             <a:fld id="{65833200-695C-0F4C-ACEB-D68ACE86B34B}" type="datetimeFigureOut">
               <a:rPr lang="en-TR" smtClean="0"/>
-              <a:t>28.06.2021</a:t>
+              <a:t>29.06.2021</a:t>
             </a:fld>
             <a:endParaRPr lang="en-TR"/>
           </a:p>
@@ -1236,7 +1742,7 @@
           <a:p>
             <a:fld id="{65833200-695C-0F4C-ACEB-D68ACE86B34B}" type="datetimeFigureOut">
               <a:rPr lang="en-TR" smtClean="0"/>
-              <a:t>28.06.2021</a:t>
+              <a:t>29.06.2021</a:t>
             </a:fld>
             <a:endParaRPr lang="en-TR"/>
           </a:p>
@@ -1504,7 +2010,7 @@
           <a:p>
             <a:fld id="{65833200-695C-0F4C-ACEB-D68ACE86B34B}" type="datetimeFigureOut">
               <a:rPr lang="en-TR" smtClean="0"/>
-              <a:t>28.06.2021</a:t>
+              <a:t>29.06.2021</a:t>
             </a:fld>
             <a:endParaRPr lang="en-TR"/>
           </a:p>
@@ -1919,7 +2425,7 @@
           <a:p>
             <a:fld id="{65833200-695C-0F4C-ACEB-D68ACE86B34B}" type="datetimeFigureOut">
               <a:rPr lang="en-TR" smtClean="0"/>
-              <a:t>28.06.2021</a:t>
+              <a:t>29.06.2021</a:t>
             </a:fld>
             <a:endParaRPr lang="en-TR"/>
           </a:p>
@@ -2061,7 +2567,7 @@
           <a:p>
             <a:fld id="{65833200-695C-0F4C-ACEB-D68ACE86B34B}" type="datetimeFigureOut">
               <a:rPr lang="en-TR" smtClean="0"/>
-              <a:t>28.06.2021</a:t>
+              <a:t>29.06.2021</a:t>
             </a:fld>
             <a:endParaRPr lang="en-TR"/>
           </a:p>
@@ -2174,7 +2680,7 @@
           <a:p>
             <a:fld id="{65833200-695C-0F4C-ACEB-D68ACE86B34B}" type="datetimeFigureOut">
               <a:rPr lang="en-TR" smtClean="0"/>
-              <a:t>28.06.2021</a:t>
+              <a:t>29.06.2021</a:t>
             </a:fld>
             <a:endParaRPr lang="en-TR"/>
           </a:p>
@@ -2487,7 +2993,7 @@
           <a:p>
             <a:fld id="{65833200-695C-0F4C-ACEB-D68ACE86B34B}" type="datetimeFigureOut">
               <a:rPr lang="en-TR" smtClean="0"/>
-              <a:t>28.06.2021</a:t>
+              <a:t>29.06.2021</a:t>
             </a:fld>
             <a:endParaRPr lang="en-TR"/>
           </a:p>
@@ -2776,7 +3282,7 @@
           <a:p>
             <a:fld id="{65833200-695C-0F4C-ACEB-D68ACE86B34B}" type="datetimeFigureOut">
               <a:rPr lang="en-TR" smtClean="0"/>
-              <a:t>28.06.2021</a:t>
+              <a:t>29.06.2021</a:t>
             </a:fld>
             <a:endParaRPr lang="en-TR"/>
           </a:p>
@@ -3019,7 +3525,7 @@
           <a:p>
             <a:fld id="{65833200-695C-0F4C-ACEB-D68ACE86B34B}" type="datetimeFigureOut">
               <a:rPr lang="en-TR" smtClean="0"/>
-              <a:t>28.06.2021</a:t>
+              <a:t>29.06.2021</a:t>
             </a:fld>
             <a:endParaRPr lang="en-TR"/>
           </a:p>
@@ -4073,8 +4579,8 @@
           </a:p>
         </p:txBody>
       </p:sp>
-      <mc:AlternateContent xmlns:mc="http://schemas.openxmlformats.org/markup-compatibility/2006">
-        <mc:Choice xmlns:p14="http://schemas.microsoft.com/office/powerpoint/2010/main" Requires="p14">
+      <mc:AlternateContent xmlns:mc="http://schemas.openxmlformats.org/markup-compatibility/2006" xmlns:p14="http://schemas.microsoft.com/office/powerpoint/2010/main">
+        <mc:Choice Requires="p14">
           <p:contentPart p14:bwMode="auto" r:id="rId2">
             <p14:nvContentPartPr>
               <p14:cNvPr id="2" name="Ink 1">
@@ -4093,7 +4599,7 @@
             </p14:xfrm>
           </p:contentPart>
         </mc:Choice>
-        <mc:Fallback>
+        <mc:Fallback xmlns="">
           <p:pic>
             <p:nvPicPr>
               <p:cNvPr id="2" name="Ink 1">
@@ -7660,10 +8166,10 @@
       </p:grpSpPr>
       <p:sp>
         <p:nvSpPr>
-          <p:cNvPr id="4" name="TextBox 3">
-            <a:extLst>
-              <a:ext uri="{FF2B5EF4-FFF2-40B4-BE49-F238E27FC236}">
-                <a16:creationId xmlns:a16="http://schemas.microsoft.com/office/drawing/2014/main" id="{DB93FE15-7BDC-1046-9D58-4FE821858449}"/>
+          <p:cNvPr id="3" name="TextBox 2">
+            <a:extLst>
+              <a:ext uri="{FF2B5EF4-FFF2-40B4-BE49-F238E27FC236}">
+                <a16:creationId xmlns:a16="http://schemas.microsoft.com/office/drawing/2014/main" id="{A55D6074-3B96-AF43-993E-1E6E0262A19D}"/>
               </a:ext>
             </a:extLst>
           </p:cNvPr>
@@ -7672,8 +8178,8 @@
         </p:nvSpPr>
         <p:spPr>
           <a:xfrm>
-            <a:off x="2838203" y="1116281"/>
-            <a:ext cx="1645900" cy="923330"/>
+            <a:off x="4848205" y="158122"/>
+            <a:ext cx="2461571" cy="584775"/>
           </a:xfrm>
           <a:prstGeom prst="rect">
             <a:avLst/>
@@ -7687,34 +8193,466 @@
           <a:lstStyle/>
           <a:p>
             <a:r>
-              <a:rPr lang="en-TR" dirty="0"/>
-              <a:t>Toplama</a:t>
-            </a:r>
-          </a:p>
-          <a:p>
-            <a:r>
-              <a:rPr lang="en-US" dirty="0"/>
-              <a:t>V</a:t>
-            </a:r>
-            <a:r>
-              <a:rPr lang="en-TR" dirty="0"/>
-              <a:t>e </a:t>
-            </a:r>
-          </a:p>
-          <a:p>
-            <a:r>
-              <a:rPr lang="en-TR" dirty="0"/>
-              <a:t>Paralel toplama</a:t>
-            </a:r>
-          </a:p>
-        </p:txBody>
-      </p:sp>
-      <p:sp>
-        <p:nvSpPr>
-          <p:cNvPr id="2" name="TextBox 1">
-            <a:extLst>
-              <a:ext uri="{FF2B5EF4-FFF2-40B4-BE49-F238E27FC236}">
-                <a16:creationId xmlns:a16="http://schemas.microsoft.com/office/drawing/2014/main" id="{3C21E118-BAAB-734D-943B-A6DDACC6F32B}"/>
+              <a:rPr lang="en-TR" sz="3200" dirty="0"/>
+              <a:t>Virtualization</a:t>
+            </a:r>
+            <a:r>
+              <a:rPr lang="en-TR" dirty="0"/>
+              <a:t> </a:t>
+            </a:r>
+          </a:p>
+        </p:txBody>
+      </p:sp>
+      <p:sp>
+        <p:nvSpPr>
+          <p:cNvPr id="5" name="Rectangle 4">
+            <a:extLst>
+              <a:ext uri="{FF2B5EF4-FFF2-40B4-BE49-F238E27FC236}">
+                <a16:creationId xmlns:a16="http://schemas.microsoft.com/office/drawing/2014/main" id="{7275F6F3-8E0D-2E4F-A0C0-BFE0EE26F057}"/>
+              </a:ext>
+            </a:extLst>
+          </p:cNvPr>
+          <p:cNvSpPr/>
+          <p:nvPr/>
+        </p:nvSpPr>
+        <p:spPr>
+          <a:xfrm>
+            <a:off x="997527" y="4845132"/>
+            <a:ext cx="2909455" cy="1413164"/>
+          </a:xfrm>
+          <a:prstGeom prst="rect">
+            <a:avLst/>
+          </a:prstGeom>
+        </p:spPr>
+        <p:style>
+          <a:lnRef idx="2">
+            <a:schemeClr val="accent1">
+              <a:shade val="50000"/>
+            </a:schemeClr>
+          </a:lnRef>
+          <a:fillRef idx="1">
+            <a:schemeClr val="accent1"/>
+          </a:fillRef>
+          <a:effectRef idx="0">
+            <a:schemeClr val="accent1"/>
+          </a:effectRef>
+          <a:fontRef idx="minor">
+            <a:schemeClr val="lt1"/>
+          </a:fontRef>
+        </p:style>
+        <p:txBody>
+          <a:bodyPr rtlCol="0" anchor="ctr"/>
+          <a:lstStyle/>
+          <a:p>
+            <a:pPr algn="ctr"/>
+            <a:r>
+              <a:rPr lang="en-TR" dirty="0"/>
+              <a:t>HDD</a:t>
+            </a:r>
+          </a:p>
+        </p:txBody>
+      </p:sp>
+      <p:sp>
+        <p:nvSpPr>
+          <p:cNvPr id="6" name="Rectangle 5">
+            <a:extLst>
+              <a:ext uri="{FF2B5EF4-FFF2-40B4-BE49-F238E27FC236}">
+                <a16:creationId xmlns:a16="http://schemas.microsoft.com/office/drawing/2014/main" id="{A942C14E-CF11-7646-AD28-886946F918E6}"/>
+              </a:ext>
+            </a:extLst>
+          </p:cNvPr>
+          <p:cNvSpPr/>
+          <p:nvPr/>
+        </p:nvSpPr>
+        <p:spPr>
+          <a:xfrm>
+            <a:off x="4641273" y="4845132"/>
+            <a:ext cx="2187040" cy="1413164"/>
+          </a:xfrm>
+          <a:prstGeom prst="rect">
+            <a:avLst/>
+          </a:prstGeom>
+        </p:spPr>
+        <p:style>
+          <a:lnRef idx="2">
+            <a:schemeClr val="accent1">
+              <a:shade val="50000"/>
+            </a:schemeClr>
+          </a:lnRef>
+          <a:fillRef idx="1">
+            <a:schemeClr val="accent1"/>
+          </a:fillRef>
+          <a:effectRef idx="0">
+            <a:schemeClr val="accent1"/>
+          </a:effectRef>
+          <a:fontRef idx="minor">
+            <a:schemeClr val="lt1"/>
+          </a:fontRef>
+        </p:style>
+        <p:txBody>
+          <a:bodyPr rtlCol="0" anchor="ctr"/>
+          <a:lstStyle/>
+          <a:p>
+            <a:pPr algn="ctr"/>
+            <a:r>
+              <a:rPr lang="en-TR" dirty="0"/>
+              <a:t>CPU</a:t>
+            </a:r>
+          </a:p>
+        </p:txBody>
+      </p:sp>
+      <p:sp>
+        <p:nvSpPr>
+          <p:cNvPr id="7" name="Rounded Rectangle 6">
+            <a:extLst>
+              <a:ext uri="{FF2B5EF4-FFF2-40B4-BE49-F238E27FC236}">
+                <a16:creationId xmlns:a16="http://schemas.microsoft.com/office/drawing/2014/main" id="{9C0E155C-5E59-2147-9A84-6F8FAF381F0F}"/>
+              </a:ext>
+            </a:extLst>
+          </p:cNvPr>
+          <p:cNvSpPr/>
+          <p:nvPr/>
+        </p:nvSpPr>
+        <p:spPr>
+          <a:xfrm>
+            <a:off x="4771903" y="4944587"/>
+            <a:ext cx="593766" cy="581891"/>
+          </a:xfrm>
+          <a:prstGeom prst="roundRect">
+            <a:avLst/>
+          </a:prstGeom>
+          <a:solidFill>
+            <a:schemeClr val="accent2"/>
+          </a:solidFill>
+        </p:spPr>
+        <p:style>
+          <a:lnRef idx="2">
+            <a:schemeClr val="accent1">
+              <a:shade val="50000"/>
+            </a:schemeClr>
+          </a:lnRef>
+          <a:fillRef idx="1">
+            <a:schemeClr val="accent1"/>
+          </a:fillRef>
+          <a:effectRef idx="0">
+            <a:schemeClr val="accent1"/>
+          </a:effectRef>
+          <a:fontRef idx="minor">
+            <a:schemeClr val="lt1"/>
+          </a:fontRef>
+        </p:style>
+        <p:txBody>
+          <a:bodyPr rtlCol="0" anchor="ctr"/>
+          <a:lstStyle/>
+          <a:p>
+            <a:pPr algn="ctr"/>
+            <a:endParaRPr lang="en-TR"/>
+          </a:p>
+        </p:txBody>
+      </p:sp>
+      <p:sp>
+        <p:nvSpPr>
+          <p:cNvPr id="8" name="Rounded Rectangle 7">
+            <a:extLst>
+              <a:ext uri="{FF2B5EF4-FFF2-40B4-BE49-F238E27FC236}">
+                <a16:creationId xmlns:a16="http://schemas.microsoft.com/office/drawing/2014/main" id="{6A446B05-7D35-5846-8F5D-BAD9C5DD1EF4}"/>
+              </a:ext>
+            </a:extLst>
+          </p:cNvPr>
+          <p:cNvSpPr/>
+          <p:nvPr/>
+        </p:nvSpPr>
+        <p:spPr>
+          <a:xfrm>
+            <a:off x="6099960" y="4944588"/>
+            <a:ext cx="593766" cy="581891"/>
+          </a:xfrm>
+          <a:prstGeom prst="roundRect">
+            <a:avLst/>
+          </a:prstGeom>
+          <a:solidFill>
+            <a:schemeClr val="accent2"/>
+          </a:solidFill>
+        </p:spPr>
+        <p:style>
+          <a:lnRef idx="2">
+            <a:schemeClr val="accent1">
+              <a:shade val="50000"/>
+            </a:schemeClr>
+          </a:lnRef>
+          <a:fillRef idx="1">
+            <a:schemeClr val="accent1"/>
+          </a:fillRef>
+          <a:effectRef idx="0">
+            <a:schemeClr val="accent1"/>
+          </a:effectRef>
+          <a:fontRef idx="minor">
+            <a:schemeClr val="lt1"/>
+          </a:fontRef>
+        </p:style>
+        <p:txBody>
+          <a:bodyPr rtlCol="0" anchor="ctr"/>
+          <a:lstStyle/>
+          <a:p>
+            <a:pPr algn="ctr"/>
+            <a:endParaRPr lang="en-TR"/>
+          </a:p>
+        </p:txBody>
+      </p:sp>
+      <p:sp>
+        <p:nvSpPr>
+          <p:cNvPr id="9" name="Rounded Rectangle 8">
+            <a:extLst>
+              <a:ext uri="{FF2B5EF4-FFF2-40B4-BE49-F238E27FC236}">
+                <a16:creationId xmlns:a16="http://schemas.microsoft.com/office/drawing/2014/main" id="{9329F98B-A192-6B46-999B-2E7EB6C5CAB4}"/>
+              </a:ext>
+            </a:extLst>
+          </p:cNvPr>
+          <p:cNvSpPr/>
+          <p:nvPr/>
+        </p:nvSpPr>
+        <p:spPr>
+          <a:xfrm>
+            <a:off x="4771903" y="5625935"/>
+            <a:ext cx="593766" cy="581891"/>
+          </a:xfrm>
+          <a:prstGeom prst="roundRect">
+            <a:avLst/>
+          </a:prstGeom>
+          <a:solidFill>
+            <a:schemeClr val="accent2"/>
+          </a:solidFill>
+        </p:spPr>
+        <p:style>
+          <a:lnRef idx="2">
+            <a:schemeClr val="accent1">
+              <a:shade val="50000"/>
+            </a:schemeClr>
+          </a:lnRef>
+          <a:fillRef idx="1">
+            <a:schemeClr val="accent1"/>
+          </a:fillRef>
+          <a:effectRef idx="0">
+            <a:schemeClr val="accent1"/>
+          </a:effectRef>
+          <a:fontRef idx="minor">
+            <a:schemeClr val="lt1"/>
+          </a:fontRef>
+        </p:style>
+        <p:txBody>
+          <a:bodyPr rtlCol="0" anchor="ctr"/>
+          <a:lstStyle/>
+          <a:p>
+            <a:pPr algn="ctr"/>
+            <a:endParaRPr lang="en-TR"/>
+          </a:p>
+        </p:txBody>
+      </p:sp>
+      <p:sp>
+        <p:nvSpPr>
+          <p:cNvPr id="10" name="Rounded Rectangle 9">
+            <a:extLst>
+              <a:ext uri="{FF2B5EF4-FFF2-40B4-BE49-F238E27FC236}">
+                <a16:creationId xmlns:a16="http://schemas.microsoft.com/office/drawing/2014/main" id="{B5DE1E4E-AD39-A949-91FA-B8A97B5A433B}"/>
+              </a:ext>
+            </a:extLst>
+          </p:cNvPr>
+          <p:cNvSpPr/>
+          <p:nvPr/>
+        </p:nvSpPr>
+        <p:spPr>
+          <a:xfrm>
+            <a:off x="6103177" y="5625935"/>
+            <a:ext cx="593766" cy="581891"/>
+          </a:xfrm>
+          <a:prstGeom prst="roundRect">
+            <a:avLst/>
+          </a:prstGeom>
+          <a:solidFill>
+            <a:schemeClr val="accent2"/>
+          </a:solidFill>
+        </p:spPr>
+        <p:style>
+          <a:lnRef idx="2">
+            <a:schemeClr val="accent1">
+              <a:shade val="50000"/>
+            </a:schemeClr>
+          </a:lnRef>
+          <a:fillRef idx="1">
+            <a:schemeClr val="accent1"/>
+          </a:fillRef>
+          <a:effectRef idx="0">
+            <a:schemeClr val="accent1"/>
+          </a:effectRef>
+          <a:fontRef idx="minor">
+            <a:schemeClr val="lt1"/>
+          </a:fontRef>
+        </p:style>
+        <p:txBody>
+          <a:bodyPr rtlCol="0" anchor="ctr"/>
+          <a:lstStyle/>
+          <a:p>
+            <a:pPr algn="ctr"/>
+            <a:endParaRPr lang="en-TR"/>
+          </a:p>
+        </p:txBody>
+      </p:sp>
+      <p:sp>
+        <p:nvSpPr>
+          <p:cNvPr id="11" name="Rectangle 10">
+            <a:extLst>
+              <a:ext uri="{FF2B5EF4-FFF2-40B4-BE49-F238E27FC236}">
+                <a16:creationId xmlns:a16="http://schemas.microsoft.com/office/drawing/2014/main" id="{06CAD78F-448D-784E-9456-ABCF679C97CA}"/>
+              </a:ext>
+            </a:extLst>
+          </p:cNvPr>
+          <p:cNvSpPr/>
+          <p:nvPr/>
+        </p:nvSpPr>
+        <p:spPr>
+          <a:xfrm>
+            <a:off x="7562604" y="4845132"/>
+            <a:ext cx="2909455" cy="1413164"/>
+          </a:xfrm>
+          <a:prstGeom prst="rect">
+            <a:avLst/>
+          </a:prstGeom>
+        </p:spPr>
+        <p:style>
+          <a:lnRef idx="2">
+            <a:schemeClr val="accent1">
+              <a:shade val="50000"/>
+            </a:schemeClr>
+          </a:lnRef>
+          <a:fillRef idx="1">
+            <a:schemeClr val="accent1"/>
+          </a:fillRef>
+          <a:effectRef idx="0">
+            <a:schemeClr val="accent1"/>
+          </a:effectRef>
+          <a:fontRef idx="minor">
+            <a:schemeClr val="lt1"/>
+          </a:fontRef>
+        </p:style>
+        <p:txBody>
+          <a:bodyPr rtlCol="0" anchor="ctr"/>
+          <a:lstStyle/>
+          <a:p>
+            <a:pPr algn="ctr"/>
+            <a:r>
+              <a:rPr lang="en-TR" dirty="0"/>
+              <a:t>RAM</a:t>
+            </a:r>
+          </a:p>
+        </p:txBody>
+      </p:sp>
+      <p:sp>
+        <p:nvSpPr>
+          <p:cNvPr id="12" name="Rectangle 11">
+            <a:extLst>
+              <a:ext uri="{FF2B5EF4-FFF2-40B4-BE49-F238E27FC236}">
+                <a16:creationId xmlns:a16="http://schemas.microsoft.com/office/drawing/2014/main" id="{8651BCFC-64BF-E649-ADEE-B4A32C68EB7C}"/>
+              </a:ext>
+            </a:extLst>
+          </p:cNvPr>
+          <p:cNvSpPr/>
+          <p:nvPr/>
+        </p:nvSpPr>
+        <p:spPr>
+          <a:xfrm>
+            <a:off x="4848205" y="3429000"/>
+            <a:ext cx="5623854" cy="1174915"/>
+          </a:xfrm>
+          <a:prstGeom prst="rect">
+            <a:avLst/>
+          </a:prstGeom>
+        </p:spPr>
+        <p:style>
+          <a:lnRef idx="2">
+            <a:schemeClr val="accent1">
+              <a:shade val="50000"/>
+            </a:schemeClr>
+          </a:lnRef>
+          <a:fillRef idx="1">
+            <a:schemeClr val="accent1"/>
+          </a:fillRef>
+          <a:effectRef idx="0">
+            <a:schemeClr val="accent1"/>
+          </a:effectRef>
+          <a:fontRef idx="minor">
+            <a:schemeClr val="lt1"/>
+          </a:fontRef>
+        </p:style>
+        <p:txBody>
+          <a:bodyPr rtlCol="0" anchor="ctr"/>
+          <a:lstStyle/>
+          <a:p>
+            <a:pPr algn="ctr"/>
+            <a:r>
+              <a:rPr lang="en-TR" dirty="0"/>
+              <a:t>Windows</a:t>
+            </a:r>
+          </a:p>
+        </p:txBody>
+      </p:sp>
+      <p:sp>
+        <p:nvSpPr>
+          <p:cNvPr id="13" name="Rectangle 12">
+            <a:extLst>
+              <a:ext uri="{FF2B5EF4-FFF2-40B4-BE49-F238E27FC236}">
+                <a16:creationId xmlns:a16="http://schemas.microsoft.com/office/drawing/2014/main" id="{AC1A3BC3-C7BC-C54C-95E9-335F002D68EB}"/>
+              </a:ext>
+            </a:extLst>
+          </p:cNvPr>
+          <p:cNvSpPr/>
+          <p:nvPr/>
+        </p:nvSpPr>
+        <p:spPr>
+          <a:xfrm>
+            <a:off x="1070571" y="1889652"/>
+            <a:ext cx="3774376" cy="1441491"/>
+          </a:xfrm>
+          <a:prstGeom prst="rect">
+            <a:avLst/>
+          </a:prstGeom>
+          <a:solidFill>
+            <a:schemeClr val="accent3">
+              <a:lumMod val="20000"/>
+              <a:lumOff val="80000"/>
+            </a:schemeClr>
+          </a:solidFill>
+        </p:spPr>
+        <p:style>
+          <a:lnRef idx="2">
+            <a:schemeClr val="accent1">
+              <a:shade val="50000"/>
+            </a:schemeClr>
+          </a:lnRef>
+          <a:fillRef idx="1">
+            <a:schemeClr val="accent1"/>
+          </a:fillRef>
+          <a:effectRef idx="0">
+            <a:schemeClr val="accent1"/>
+          </a:effectRef>
+          <a:fontRef idx="minor">
+            <a:schemeClr val="lt1"/>
+          </a:fontRef>
+        </p:style>
+        <p:txBody>
+          <a:bodyPr rtlCol="0" anchor="ctr"/>
+          <a:lstStyle/>
+          <a:p>
+            <a:pPr algn="ctr"/>
+            <a:endParaRPr lang="en-TR" dirty="0"/>
+          </a:p>
+        </p:txBody>
+      </p:sp>
+      <p:sp>
+        <p:nvSpPr>
+          <p:cNvPr id="16" name="TextBox 15">
+            <a:extLst>
+              <a:ext uri="{FF2B5EF4-FFF2-40B4-BE49-F238E27FC236}">
+                <a16:creationId xmlns:a16="http://schemas.microsoft.com/office/drawing/2014/main" id="{FF929016-5F3E-604F-BDBA-96F17541F78E}"/>
               </a:ext>
             </a:extLst>
           </p:cNvPr>
@@ -7723,8 +8661,8 @@
         </p:nvSpPr>
         <p:spPr>
           <a:xfrm>
-            <a:off x="4619501" y="3918857"/>
-            <a:ext cx="5430141" cy="646331"/>
+            <a:off x="1773034" y="1099961"/>
+            <a:ext cx="2439387" cy="646331"/>
           </a:xfrm>
           <a:prstGeom prst="rect">
             <a:avLst/>
@@ -7737,23 +8675,1425 @@
           </a:bodyPr>
           <a:lstStyle/>
           <a:p>
-            <a:r>
-              <a:rPr lang="en-US" dirty="0"/>
-              <a:t>W</a:t>
-            </a:r>
-            <a:r>
-              <a:rPr lang="en-TR" dirty="0"/>
-              <a:t>rite ( ”c:/ahmet/abc.txt”)</a:t>
-            </a:r>
-          </a:p>
-          <a:p>
-            <a:r>
-              <a:rPr lang="en-US" dirty="0"/>
-              <a:t>W</a:t>
-            </a:r>
-            <a:r>
-              <a:rPr lang="en-TR" dirty="0"/>
-              <a:t>rite(“hdfs://10.36.97.5/user/ahmetdemirelli/abc.txt”)</a:t>
+            <a:pPr algn="ctr"/>
+            <a:r>
+              <a:rPr lang="en-TR" dirty="0"/>
+              <a:t>Virtualization Tool</a:t>
+            </a:r>
+          </a:p>
+          <a:p>
+            <a:pPr algn="ctr"/>
+            <a:r>
+              <a:rPr lang="en-TR" dirty="0"/>
+              <a:t>(VirtualBox ,VMWare .. )</a:t>
+            </a:r>
+          </a:p>
+        </p:txBody>
+      </p:sp>
+      <p:sp>
+        <p:nvSpPr>
+          <p:cNvPr id="17" name="Rectangle 16">
+            <a:extLst>
+              <a:ext uri="{FF2B5EF4-FFF2-40B4-BE49-F238E27FC236}">
+                <a16:creationId xmlns:a16="http://schemas.microsoft.com/office/drawing/2014/main" id="{6FF824B3-7893-2441-A17A-E027AD8E23BF}"/>
+              </a:ext>
+            </a:extLst>
+          </p:cNvPr>
+          <p:cNvSpPr/>
+          <p:nvPr/>
+        </p:nvSpPr>
+        <p:spPr>
+          <a:xfrm>
+            <a:off x="1237762" y="1982812"/>
+            <a:ext cx="1127600" cy="1064567"/>
+          </a:xfrm>
+          <a:prstGeom prst="rect">
+            <a:avLst/>
+          </a:prstGeom>
+          <a:solidFill>
+            <a:schemeClr val="accent6"/>
+          </a:solidFill>
+        </p:spPr>
+        <p:style>
+          <a:lnRef idx="2">
+            <a:schemeClr val="accent1">
+              <a:shade val="50000"/>
+            </a:schemeClr>
+          </a:lnRef>
+          <a:fillRef idx="1">
+            <a:schemeClr val="accent1"/>
+          </a:fillRef>
+          <a:effectRef idx="0">
+            <a:schemeClr val="accent1"/>
+          </a:effectRef>
+          <a:fontRef idx="minor">
+            <a:schemeClr val="lt1"/>
+          </a:fontRef>
+        </p:style>
+        <p:txBody>
+          <a:bodyPr rtlCol="0" anchor="ctr"/>
+          <a:lstStyle/>
+          <a:p>
+            <a:pPr algn="ctr"/>
+            <a:r>
+              <a:rPr lang="en-TR" dirty="0"/>
+              <a:t>VM</a:t>
+            </a:r>
+          </a:p>
+        </p:txBody>
+      </p:sp>
+      <mc:AlternateContent xmlns:mc="http://schemas.openxmlformats.org/markup-compatibility/2006" xmlns:p14="http://schemas.microsoft.com/office/powerpoint/2010/main">
+        <mc:Choice Requires="p14">
+          <p:contentPart p14:bwMode="auto" r:id="rId2">
+            <p14:nvContentPartPr>
+              <p14:cNvPr id="21" name="Ink 20">
+                <a:extLst>
+                  <a:ext uri="{FF2B5EF4-FFF2-40B4-BE49-F238E27FC236}">
+                    <a16:creationId xmlns:a16="http://schemas.microsoft.com/office/drawing/2014/main" id="{C7C0A4D8-2235-9B45-AA3C-11104C967AE4}"/>
+                  </a:ext>
+                </a:extLst>
+              </p14:cNvPr>
+              <p14:cNvContentPartPr/>
+              <p14:nvPr/>
+            </p14:nvContentPartPr>
+            <p14:xfrm>
+              <a:off x="4584307" y="4747275"/>
+              <a:ext cx="999720" cy="843120"/>
+            </p14:xfrm>
+          </p:contentPart>
+        </mc:Choice>
+        <mc:Fallback xmlns="">
+          <p:pic>
+            <p:nvPicPr>
+              <p:cNvPr id="21" name="Ink 20">
+                <a:extLst>
+                  <a:ext uri="{FF2B5EF4-FFF2-40B4-BE49-F238E27FC236}">
+                    <a16:creationId xmlns:a16="http://schemas.microsoft.com/office/drawing/2014/main" id="{C7C0A4D8-2235-9B45-AA3C-11104C967AE4}"/>
+                  </a:ext>
+                </a:extLst>
+              </p:cNvPr>
+              <p:cNvPicPr/>
+              <p:nvPr/>
+            </p:nvPicPr>
+            <p:blipFill>
+              <a:blip r:embed="rId3"/>
+              <a:stretch>
+                <a:fillRect/>
+              </a:stretch>
+            </p:blipFill>
+            <p:spPr>
+              <a:xfrm>
+                <a:off x="4548307" y="4711635"/>
+                <a:ext cx="1071360" cy="914760"/>
+              </a:xfrm>
+              <a:prstGeom prst="rect">
+                <a:avLst/>
+              </a:prstGeom>
+            </p:spPr>
+          </p:pic>
+        </mc:Fallback>
+      </mc:AlternateContent>
+      <mc:AlternateContent xmlns:mc="http://schemas.openxmlformats.org/markup-compatibility/2006" xmlns:p14="http://schemas.microsoft.com/office/powerpoint/2010/main">
+        <mc:Choice Requires="p14">
+          <p:contentPart p14:bwMode="auto" r:id="rId4">
+            <p14:nvContentPartPr>
+              <p14:cNvPr id="22" name="Ink 21">
+                <a:extLst>
+                  <a:ext uri="{FF2B5EF4-FFF2-40B4-BE49-F238E27FC236}">
+                    <a16:creationId xmlns:a16="http://schemas.microsoft.com/office/drawing/2014/main" id="{7D6432DB-7C60-BD46-8CC0-02C532E36578}"/>
+                  </a:ext>
+                </a:extLst>
+              </p14:cNvPr>
+              <p14:cNvContentPartPr/>
+              <p14:nvPr/>
+            </p14:nvContentPartPr>
+            <p14:xfrm>
+              <a:off x="1942627" y="3028635"/>
+              <a:ext cx="2590200" cy="1873440"/>
+            </p14:xfrm>
+          </p:contentPart>
+        </mc:Choice>
+        <mc:Fallback xmlns="">
+          <p:pic>
+            <p:nvPicPr>
+              <p:cNvPr id="22" name="Ink 21">
+                <a:extLst>
+                  <a:ext uri="{FF2B5EF4-FFF2-40B4-BE49-F238E27FC236}">
+                    <a16:creationId xmlns:a16="http://schemas.microsoft.com/office/drawing/2014/main" id="{7D6432DB-7C60-BD46-8CC0-02C532E36578}"/>
+                  </a:ext>
+                </a:extLst>
+              </p:cNvPr>
+              <p:cNvPicPr/>
+              <p:nvPr/>
+            </p:nvPicPr>
+            <p:blipFill>
+              <a:blip r:embed="rId5"/>
+              <a:stretch>
+                <a:fillRect/>
+              </a:stretch>
+            </p:blipFill>
+            <p:spPr>
+              <a:xfrm>
+                <a:off x="1906627" y="2992995"/>
+                <a:ext cx="2661840" cy="1945080"/>
+              </a:xfrm>
+              <a:prstGeom prst="rect">
+                <a:avLst/>
+              </a:prstGeom>
+            </p:spPr>
+          </p:pic>
+        </mc:Fallback>
+      </mc:AlternateContent>
+      <mc:AlternateContent xmlns:mc="http://schemas.openxmlformats.org/markup-compatibility/2006" xmlns:p14="http://schemas.microsoft.com/office/powerpoint/2010/main">
+        <mc:Choice Requires="p14">
+          <p:contentPart p14:bwMode="auto" r:id="rId6">
+            <p14:nvContentPartPr>
+              <p14:cNvPr id="24" name="Ink 23">
+                <a:extLst>
+                  <a:ext uri="{FF2B5EF4-FFF2-40B4-BE49-F238E27FC236}">
+                    <a16:creationId xmlns:a16="http://schemas.microsoft.com/office/drawing/2014/main" id="{3811FD96-CCB3-D945-A5D7-DAFDE5586808}"/>
+                  </a:ext>
+                </a:extLst>
+              </p14:cNvPr>
+              <p14:cNvContentPartPr/>
+              <p14:nvPr/>
+            </p14:nvContentPartPr>
+            <p14:xfrm>
+              <a:off x="7233907" y="4683915"/>
+              <a:ext cx="1152360" cy="1814400"/>
+            </p14:xfrm>
+          </p:contentPart>
+        </mc:Choice>
+        <mc:Fallback xmlns="">
+          <p:pic>
+            <p:nvPicPr>
+              <p:cNvPr id="24" name="Ink 23">
+                <a:extLst>
+                  <a:ext uri="{FF2B5EF4-FFF2-40B4-BE49-F238E27FC236}">
+                    <a16:creationId xmlns:a16="http://schemas.microsoft.com/office/drawing/2014/main" id="{3811FD96-CCB3-D945-A5D7-DAFDE5586808}"/>
+                  </a:ext>
+                </a:extLst>
+              </p:cNvPr>
+              <p:cNvPicPr/>
+              <p:nvPr/>
+            </p:nvPicPr>
+            <p:blipFill>
+              <a:blip r:embed="rId7"/>
+              <a:stretch>
+                <a:fillRect/>
+              </a:stretch>
+            </p:blipFill>
+            <p:spPr>
+              <a:xfrm>
+                <a:off x="7198267" y="4648275"/>
+                <a:ext cx="1224000" cy="1886040"/>
+              </a:xfrm>
+              <a:prstGeom prst="rect">
+                <a:avLst/>
+              </a:prstGeom>
+            </p:spPr>
+          </p:pic>
+        </mc:Fallback>
+      </mc:AlternateContent>
+      <p:grpSp>
+        <p:nvGrpSpPr>
+          <p:cNvPr id="26" name="Group 25">
+            <a:extLst>
+              <a:ext uri="{FF2B5EF4-FFF2-40B4-BE49-F238E27FC236}">
+                <a16:creationId xmlns:a16="http://schemas.microsoft.com/office/drawing/2014/main" id="{5FE6FDA9-42B6-6342-B3EA-D3241E7397AF}"/>
+              </a:ext>
+            </a:extLst>
+          </p:cNvPr>
+          <p:cNvGrpSpPr/>
+          <p:nvPr/>
+        </p:nvGrpSpPr>
+        <p:grpSpPr>
+          <a:xfrm>
+            <a:off x="824827" y="2907675"/>
+            <a:ext cx="6426720" cy="2544480"/>
+            <a:chOff x="824827" y="2907675"/>
+            <a:chExt cx="6426720" cy="2544480"/>
+          </a:xfrm>
+        </p:grpSpPr>
+        <mc:AlternateContent xmlns:mc="http://schemas.openxmlformats.org/markup-compatibility/2006" xmlns:p14="http://schemas.microsoft.com/office/powerpoint/2010/main">
+          <mc:Choice Requires="p14">
+            <p:contentPart p14:bwMode="auto" r:id="rId8">
+              <p14:nvContentPartPr>
+                <p14:cNvPr id="18" name="Ink 17">
+                  <a:extLst>
+                    <a:ext uri="{FF2B5EF4-FFF2-40B4-BE49-F238E27FC236}">
+                      <a16:creationId xmlns:a16="http://schemas.microsoft.com/office/drawing/2014/main" id="{04B69D69-3D5D-9B4E-AC12-3AE38CB9F922}"/>
+                    </a:ext>
+                  </a:extLst>
+                </p14:cNvPr>
+                <p14:cNvContentPartPr/>
+                <p14:nvPr/>
+              </p14:nvContentPartPr>
+              <p14:xfrm>
+                <a:off x="824827" y="4682475"/>
+                <a:ext cx="886320" cy="769680"/>
+              </p14:xfrm>
+            </p:contentPart>
+          </mc:Choice>
+          <mc:Fallback xmlns="">
+            <p:pic>
+              <p:nvPicPr>
+                <p:cNvPr id="18" name="Ink 17">
+                  <a:extLst>
+                    <a:ext uri="{FF2B5EF4-FFF2-40B4-BE49-F238E27FC236}">
+                      <a16:creationId xmlns:a16="http://schemas.microsoft.com/office/drawing/2014/main" id="{04B69D69-3D5D-9B4E-AC12-3AE38CB9F922}"/>
+                    </a:ext>
+                  </a:extLst>
+                </p:cNvPr>
+                <p:cNvPicPr/>
+                <p:nvPr/>
+              </p:nvPicPr>
+              <p:blipFill>
+                <a:blip r:embed="rId9"/>
+                <a:stretch>
+                  <a:fillRect/>
+                </a:stretch>
+              </p:blipFill>
+              <p:spPr>
+                <a:xfrm>
+                  <a:off x="788827" y="4646475"/>
+                  <a:ext cx="957960" cy="841320"/>
+                </a:xfrm>
+                <a:prstGeom prst="rect">
+                  <a:avLst/>
+                </a:prstGeom>
+              </p:spPr>
+            </p:pic>
+          </mc:Fallback>
+        </mc:AlternateContent>
+        <mc:AlternateContent xmlns:mc="http://schemas.openxmlformats.org/markup-compatibility/2006" xmlns:p14="http://schemas.microsoft.com/office/powerpoint/2010/main">
+          <mc:Choice Requires="p14">
+            <p:contentPart p14:bwMode="auto" r:id="rId10">
+              <p14:nvContentPartPr>
+                <p14:cNvPr id="19" name="Ink 18">
+                  <a:extLst>
+                    <a:ext uri="{FF2B5EF4-FFF2-40B4-BE49-F238E27FC236}">
+                      <a16:creationId xmlns:a16="http://schemas.microsoft.com/office/drawing/2014/main" id="{ED83ED4C-352D-694B-965A-9BE562F06FCB}"/>
+                    </a:ext>
+                  </a:extLst>
+                </p14:cNvPr>
+                <p14:cNvContentPartPr/>
+                <p14:nvPr/>
+              </p14:nvContentPartPr>
+              <p14:xfrm>
+                <a:off x="1399387" y="2907675"/>
+                <a:ext cx="353520" cy="1662840"/>
+              </p14:xfrm>
+            </p:contentPart>
+          </mc:Choice>
+          <mc:Fallback xmlns="">
+            <p:pic>
+              <p:nvPicPr>
+                <p:cNvPr id="19" name="Ink 18">
+                  <a:extLst>
+                    <a:ext uri="{FF2B5EF4-FFF2-40B4-BE49-F238E27FC236}">
+                      <a16:creationId xmlns:a16="http://schemas.microsoft.com/office/drawing/2014/main" id="{ED83ED4C-352D-694B-965A-9BE562F06FCB}"/>
+                    </a:ext>
+                  </a:extLst>
+                </p:cNvPr>
+                <p:cNvPicPr/>
+                <p:nvPr/>
+              </p:nvPicPr>
+              <p:blipFill>
+                <a:blip r:embed="rId11"/>
+                <a:stretch>
+                  <a:fillRect/>
+                </a:stretch>
+              </p:blipFill>
+              <p:spPr>
+                <a:xfrm>
+                  <a:off x="1363747" y="2872035"/>
+                  <a:ext cx="425160" cy="1734480"/>
+                </a:xfrm>
+                <a:prstGeom prst="rect">
+                  <a:avLst/>
+                </a:prstGeom>
+              </p:spPr>
+            </p:pic>
+          </mc:Fallback>
+        </mc:AlternateContent>
+        <mc:AlternateContent xmlns:mc="http://schemas.openxmlformats.org/markup-compatibility/2006" xmlns:p14="http://schemas.microsoft.com/office/powerpoint/2010/main">
+          <mc:Choice Requires="p14">
+            <p:contentPart p14:bwMode="auto" r:id="rId12">
+              <p14:nvContentPartPr>
+                <p14:cNvPr id="25" name="Ink 24">
+                  <a:extLst>
+                    <a:ext uri="{FF2B5EF4-FFF2-40B4-BE49-F238E27FC236}">
+                      <a16:creationId xmlns:a16="http://schemas.microsoft.com/office/drawing/2014/main" id="{79C40708-1EE6-2143-B79C-8318F790264F}"/>
+                    </a:ext>
+                  </a:extLst>
+                </p14:cNvPr>
+                <p14:cNvContentPartPr/>
+                <p14:nvPr/>
+              </p14:nvContentPartPr>
+              <p14:xfrm>
+                <a:off x="2438347" y="2984715"/>
+                <a:ext cx="4813200" cy="2107800"/>
+              </p14:xfrm>
+            </p:contentPart>
+          </mc:Choice>
+          <mc:Fallback xmlns="">
+            <p:pic>
+              <p:nvPicPr>
+                <p:cNvPr id="25" name="Ink 24">
+                  <a:extLst>
+                    <a:ext uri="{FF2B5EF4-FFF2-40B4-BE49-F238E27FC236}">
+                      <a16:creationId xmlns:a16="http://schemas.microsoft.com/office/drawing/2014/main" id="{79C40708-1EE6-2143-B79C-8318F790264F}"/>
+                    </a:ext>
+                  </a:extLst>
+                </p:cNvPr>
+                <p:cNvPicPr/>
+                <p:nvPr/>
+              </p:nvPicPr>
+              <p:blipFill>
+                <a:blip r:embed="rId13"/>
+                <a:stretch>
+                  <a:fillRect/>
+                </a:stretch>
+              </p:blipFill>
+              <p:spPr>
+                <a:xfrm>
+                  <a:off x="2402707" y="2948715"/>
+                  <a:ext cx="4884840" cy="2179440"/>
+                </a:xfrm>
+                <a:prstGeom prst="rect">
+                  <a:avLst/>
+                </a:prstGeom>
+              </p:spPr>
+            </p:pic>
+          </mc:Fallback>
+        </mc:AlternateContent>
+      </p:grpSp>
+      <mc:AlternateContent xmlns:mc="http://schemas.openxmlformats.org/markup-compatibility/2006" xmlns:p14="http://schemas.microsoft.com/office/powerpoint/2010/main">
+        <mc:Choice Requires="p14">
+          <p:contentPart p14:bwMode="auto" r:id="rId14">
+            <p14:nvContentPartPr>
+              <p14:cNvPr id="27" name="Ink 26">
+                <a:extLst>
+                  <a:ext uri="{FF2B5EF4-FFF2-40B4-BE49-F238E27FC236}">
+                    <a16:creationId xmlns:a16="http://schemas.microsoft.com/office/drawing/2014/main" id="{06B1F789-1990-444C-967C-21822D4C1FDC}"/>
+                  </a:ext>
+                </a:extLst>
+              </p14:cNvPr>
+              <p14:cNvContentPartPr/>
+              <p14:nvPr/>
+            </p14:nvContentPartPr>
+            <p14:xfrm>
+              <a:off x="7730347" y="5322555"/>
+              <a:ext cx="319320" cy="374040"/>
+            </p14:xfrm>
+          </p:contentPart>
+        </mc:Choice>
+        <mc:Fallback xmlns="">
+          <p:pic>
+            <p:nvPicPr>
+              <p:cNvPr id="27" name="Ink 26">
+                <a:extLst>
+                  <a:ext uri="{FF2B5EF4-FFF2-40B4-BE49-F238E27FC236}">
+                    <a16:creationId xmlns:a16="http://schemas.microsoft.com/office/drawing/2014/main" id="{06B1F789-1990-444C-967C-21822D4C1FDC}"/>
+                  </a:ext>
+                </a:extLst>
+              </p:cNvPr>
+              <p:cNvPicPr/>
+              <p:nvPr/>
+            </p:nvPicPr>
+            <p:blipFill>
+              <a:blip r:embed="rId15"/>
+              <a:stretch>
+                <a:fillRect/>
+              </a:stretch>
+            </p:blipFill>
+            <p:spPr>
+              <a:xfrm>
+                <a:off x="7694707" y="5286555"/>
+                <a:ext cx="390960" cy="445680"/>
+              </a:xfrm>
+              <a:prstGeom prst="rect">
+                <a:avLst/>
+              </a:prstGeom>
+            </p:spPr>
+          </p:pic>
+        </mc:Fallback>
+      </mc:AlternateContent>
+      <p:grpSp>
+        <p:nvGrpSpPr>
+          <p:cNvPr id="30" name="Group 29">
+            <a:extLst>
+              <a:ext uri="{FF2B5EF4-FFF2-40B4-BE49-F238E27FC236}">
+                <a16:creationId xmlns:a16="http://schemas.microsoft.com/office/drawing/2014/main" id="{1358047B-119B-D248-B94D-30FAE8DA3417}"/>
+              </a:ext>
+            </a:extLst>
+          </p:cNvPr>
+          <p:cNvGrpSpPr/>
+          <p:nvPr/>
+        </p:nvGrpSpPr>
+        <p:grpSpPr>
+          <a:xfrm>
+            <a:off x="1661107" y="5138595"/>
+            <a:ext cx="406440" cy="268200"/>
+            <a:chOff x="1661107" y="5138595"/>
+            <a:chExt cx="406440" cy="268200"/>
+          </a:xfrm>
+        </p:grpSpPr>
+        <mc:AlternateContent xmlns:mc="http://schemas.openxmlformats.org/markup-compatibility/2006" xmlns:p14="http://schemas.microsoft.com/office/powerpoint/2010/main">
+          <mc:Choice Requires="p14">
+            <p:contentPart p14:bwMode="auto" r:id="rId16">
+              <p14:nvContentPartPr>
+                <p14:cNvPr id="28" name="Ink 27">
+                  <a:extLst>
+                    <a:ext uri="{FF2B5EF4-FFF2-40B4-BE49-F238E27FC236}">
+                      <a16:creationId xmlns:a16="http://schemas.microsoft.com/office/drawing/2014/main" id="{35E4E3E5-B102-854A-9DE7-965B4E761FDF}"/>
+                    </a:ext>
+                  </a:extLst>
+                </p14:cNvPr>
+                <p14:cNvContentPartPr/>
+                <p14:nvPr/>
+              </p14:nvContentPartPr>
+              <p14:xfrm>
+                <a:off x="1661107" y="5217435"/>
+                <a:ext cx="360720" cy="87840"/>
+              </p14:xfrm>
+            </p:contentPart>
+          </mc:Choice>
+          <mc:Fallback xmlns="">
+            <p:pic>
+              <p:nvPicPr>
+                <p:cNvPr id="28" name="Ink 27">
+                  <a:extLst>
+                    <a:ext uri="{FF2B5EF4-FFF2-40B4-BE49-F238E27FC236}">
+                      <a16:creationId xmlns:a16="http://schemas.microsoft.com/office/drawing/2014/main" id="{35E4E3E5-B102-854A-9DE7-965B4E761FDF}"/>
+                    </a:ext>
+                  </a:extLst>
+                </p:cNvPr>
+                <p:cNvPicPr/>
+                <p:nvPr/>
+              </p:nvPicPr>
+              <p:blipFill>
+                <a:blip r:embed="rId17"/>
+                <a:stretch>
+                  <a:fillRect/>
+                </a:stretch>
+              </p:blipFill>
+              <p:spPr>
+                <a:xfrm>
+                  <a:off x="1625467" y="5181795"/>
+                  <a:ext cx="432360" cy="159480"/>
+                </a:xfrm>
+                <a:prstGeom prst="rect">
+                  <a:avLst/>
+                </a:prstGeom>
+              </p:spPr>
+            </p:pic>
+          </mc:Fallback>
+        </mc:AlternateContent>
+        <mc:AlternateContent xmlns:mc="http://schemas.openxmlformats.org/markup-compatibility/2006" xmlns:p14="http://schemas.microsoft.com/office/powerpoint/2010/main">
+          <mc:Choice Requires="p14">
+            <p:contentPart p14:bwMode="auto" r:id="rId18">
+              <p14:nvContentPartPr>
+                <p14:cNvPr id="29" name="Ink 28">
+                  <a:extLst>
+                    <a:ext uri="{FF2B5EF4-FFF2-40B4-BE49-F238E27FC236}">
+                      <a16:creationId xmlns:a16="http://schemas.microsoft.com/office/drawing/2014/main" id="{A29D7C66-00CD-E64F-8CFC-8A2FACF6B4B6}"/>
+                    </a:ext>
+                  </a:extLst>
+                </p14:cNvPr>
+                <p14:cNvContentPartPr/>
+                <p14:nvPr/>
+              </p14:nvContentPartPr>
+              <p14:xfrm>
+                <a:off x="1965667" y="5138595"/>
+                <a:ext cx="101880" cy="268200"/>
+              </p14:xfrm>
+            </p:contentPart>
+          </mc:Choice>
+          <mc:Fallback xmlns="">
+            <p:pic>
+              <p:nvPicPr>
+                <p:cNvPr id="29" name="Ink 28">
+                  <a:extLst>
+                    <a:ext uri="{FF2B5EF4-FFF2-40B4-BE49-F238E27FC236}">
+                      <a16:creationId xmlns:a16="http://schemas.microsoft.com/office/drawing/2014/main" id="{A29D7C66-00CD-E64F-8CFC-8A2FACF6B4B6}"/>
+                    </a:ext>
+                  </a:extLst>
+                </p:cNvPr>
+                <p:cNvPicPr/>
+                <p:nvPr/>
+              </p:nvPicPr>
+              <p:blipFill>
+                <a:blip r:embed="rId19"/>
+                <a:stretch>
+                  <a:fillRect/>
+                </a:stretch>
+              </p:blipFill>
+              <p:spPr>
+                <a:xfrm>
+                  <a:off x="1930027" y="5102595"/>
+                  <a:ext cx="173520" cy="339840"/>
+                </a:xfrm>
+                <a:prstGeom prst="rect">
+                  <a:avLst/>
+                </a:prstGeom>
+              </p:spPr>
+            </p:pic>
+          </mc:Fallback>
+        </mc:AlternateContent>
+      </p:grpSp>
+      <p:sp>
+        <p:nvSpPr>
+          <p:cNvPr id="31" name="Rectangle 30">
+            <a:extLst>
+              <a:ext uri="{FF2B5EF4-FFF2-40B4-BE49-F238E27FC236}">
+                <a16:creationId xmlns:a16="http://schemas.microsoft.com/office/drawing/2014/main" id="{C35B968A-922F-6347-97F6-63C8B147D2A7}"/>
+              </a:ext>
+            </a:extLst>
+          </p:cNvPr>
+          <p:cNvSpPr/>
+          <p:nvPr/>
+        </p:nvSpPr>
+        <p:spPr>
+          <a:xfrm>
+            <a:off x="1313718" y="2675292"/>
+            <a:ext cx="975688" cy="339597"/>
+          </a:xfrm>
+          <a:prstGeom prst="rect">
+            <a:avLst/>
+          </a:prstGeom>
+        </p:spPr>
+        <p:style>
+          <a:lnRef idx="2">
+            <a:schemeClr val="accent1">
+              <a:shade val="50000"/>
+            </a:schemeClr>
+          </a:lnRef>
+          <a:fillRef idx="1">
+            <a:schemeClr val="accent1"/>
+          </a:fillRef>
+          <a:effectRef idx="0">
+            <a:schemeClr val="accent1"/>
+          </a:effectRef>
+          <a:fontRef idx="minor">
+            <a:schemeClr val="lt1"/>
+          </a:fontRef>
+        </p:style>
+        <p:txBody>
+          <a:bodyPr rtlCol="0" anchor="ctr"/>
+          <a:lstStyle/>
+          <a:p>
+            <a:pPr algn="ctr"/>
+            <a:r>
+              <a:rPr lang="en-TR" dirty="0"/>
+              <a:t>Kernel</a:t>
+            </a:r>
+          </a:p>
+        </p:txBody>
+      </p:sp>
+    </p:spTree>
+    <p:extLst>
+      <p:ext uri="{BB962C8B-B14F-4D97-AF65-F5344CB8AC3E}">
+        <p14:creationId xmlns:p14="http://schemas.microsoft.com/office/powerpoint/2010/main" val="2652610401"/>
+      </p:ext>
+    </p:extLst>
+  </p:cSld>
+  <p:clrMapOvr>
+    <a:masterClrMapping/>
+  </p:clrMapOvr>
+</p:sld>
+</file>
+
+<file path=ppt/slides/slide7.xml><?xml version="1.0" encoding="utf-8"?>
+<p:sld xmlns:a="http://schemas.openxmlformats.org/drawingml/2006/main" xmlns:r="http://schemas.openxmlformats.org/officeDocument/2006/relationships" xmlns:p="http://schemas.openxmlformats.org/presentationml/2006/main">
+  <p:cSld>
+    <p:spTree>
+      <p:nvGrpSpPr>
+        <p:cNvPr id="1" name=""/>
+        <p:cNvGrpSpPr/>
+        <p:nvPr/>
+      </p:nvGrpSpPr>
+      <p:grpSpPr>
+        <a:xfrm>
+          <a:off x="0" y="0"/>
+          <a:ext cx="0" cy="0"/>
+          <a:chOff x="0" y="0"/>
+          <a:chExt cx="0" cy="0"/>
+        </a:xfrm>
+      </p:grpSpPr>
+      <p:sp>
+        <p:nvSpPr>
+          <p:cNvPr id="3" name="TextBox 2">
+            <a:extLst>
+              <a:ext uri="{FF2B5EF4-FFF2-40B4-BE49-F238E27FC236}">
+                <a16:creationId xmlns:a16="http://schemas.microsoft.com/office/drawing/2014/main" id="{A55D6074-3B96-AF43-993E-1E6E0262A19D}"/>
+              </a:ext>
+            </a:extLst>
+          </p:cNvPr>
+          <p:cNvSpPr txBox="1"/>
+          <p:nvPr/>
+        </p:nvSpPr>
+        <p:spPr>
+          <a:xfrm>
+            <a:off x="4848205" y="158122"/>
+            <a:ext cx="2981778" cy="584775"/>
+          </a:xfrm>
+          <a:prstGeom prst="rect">
+            <a:avLst/>
+          </a:prstGeom>
+          <a:noFill/>
+        </p:spPr>
+        <p:txBody>
+          <a:bodyPr wrap="none" rtlCol="0">
+            <a:spAutoFit/>
+          </a:bodyPr>
+          <a:lstStyle/>
+          <a:p>
+            <a:r>
+              <a:rPr lang="en-TR" sz="3200" dirty="0"/>
+              <a:t>Containerization</a:t>
+            </a:r>
+            <a:r>
+              <a:rPr lang="en-TR" dirty="0"/>
+              <a:t> </a:t>
+            </a:r>
+          </a:p>
+        </p:txBody>
+      </p:sp>
+      <p:sp>
+        <p:nvSpPr>
+          <p:cNvPr id="5" name="Rectangle 4">
+            <a:extLst>
+              <a:ext uri="{FF2B5EF4-FFF2-40B4-BE49-F238E27FC236}">
+                <a16:creationId xmlns:a16="http://schemas.microsoft.com/office/drawing/2014/main" id="{7275F6F3-8E0D-2E4F-A0C0-BFE0EE26F057}"/>
+              </a:ext>
+            </a:extLst>
+          </p:cNvPr>
+          <p:cNvSpPr/>
+          <p:nvPr/>
+        </p:nvSpPr>
+        <p:spPr>
+          <a:xfrm>
+            <a:off x="997527" y="4845132"/>
+            <a:ext cx="2909455" cy="1413164"/>
+          </a:xfrm>
+          <a:prstGeom prst="rect">
+            <a:avLst/>
+          </a:prstGeom>
+        </p:spPr>
+        <p:style>
+          <a:lnRef idx="2">
+            <a:schemeClr val="accent1">
+              <a:shade val="50000"/>
+            </a:schemeClr>
+          </a:lnRef>
+          <a:fillRef idx="1">
+            <a:schemeClr val="accent1"/>
+          </a:fillRef>
+          <a:effectRef idx="0">
+            <a:schemeClr val="accent1"/>
+          </a:effectRef>
+          <a:fontRef idx="minor">
+            <a:schemeClr val="lt1"/>
+          </a:fontRef>
+        </p:style>
+        <p:txBody>
+          <a:bodyPr rtlCol="0" anchor="ctr"/>
+          <a:lstStyle/>
+          <a:p>
+            <a:pPr algn="ctr"/>
+            <a:r>
+              <a:rPr lang="en-TR" dirty="0"/>
+              <a:t>HDD</a:t>
+            </a:r>
+          </a:p>
+        </p:txBody>
+      </p:sp>
+      <p:sp>
+        <p:nvSpPr>
+          <p:cNvPr id="6" name="Rectangle 5">
+            <a:extLst>
+              <a:ext uri="{FF2B5EF4-FFF2-40B4-BE49-F238E27FC236}">
+                <a16:creationId xmlns:a16="http://schemas.microsoft.com/office/drawing/2014/main" id="{A942C14E-CF11-7646-AD28-886946F918E6}"/>
+              </a:ext>
+            </a:extLst>
+          </p:cNvPr>
+          <p:cNvSpPr/>
+          <p:nvPr/>
+        </p:nvSpPr>
+        <p:spPr>
+          <a:xfrm>
+            <a:off x="4641273" y="4845132"/>
+            <a:ext cx="2187040" cy="1413164"/>
+          </a:xfrm>
+          <a:prstGeom prst="rect">
+            <a:avLst/>
+          </a:prstGeom>
+        </p:spPr>
+        <p:style>
+          <a:lnRef idx="2">
+            <a:schemeClr val="accent1">
+              <a:shade val="50000"/>
+            </a:schemeClr>
+          </a:lnRef>
+          <a:fillRef idx="1">
+            <a:schemeClr val="accent1"/>
+          </a:fillRef>
+          <a:effectRef idx="0">
+            <a:schemeClr val="accent1"/>
+          </a:effectRef>
+          <a:fontRef idx="minor">
+            <a:schemeClr val="lt1"/>
+          </a:fontRef>
+        </p:style>
+        <p:txBody>
+          <a:bodyPr rtlCol="0" anchor="ctr"/>
+          <a:lstStyle/>
+          <a:p>
+            <a:pPr algn="ctr"/>
+            <a:r>
+              <a:rPr lang="en-TR" dirty="0"/>
+              <a:t>CPU</a:t>
+            </a:r>
+          </a:p>
+        </p:txBody>
+      </p:sp>
+      <p:sp>
+        <p:nvSpPr>
+          <p:cNvPr id="7" name="Rounded Rectangle 6">
+            <a:extLst>
+              <a:ext uri="{FF2B5EF4-FFF2-40B4-BE49-F238E27FC236}">
+                <a16:creationId xmlns:a16="http://schemas.microsoft.com/office/drawing/2014/main" id="{9C0E155C-5E59-2147-9A84-6F8FAF381F0F}"/>
+              </a:ext>
+            </a:extLst>
+          </p:cNvPr>
+          <p:cNvSpPr/>
+          <p:nvPr/>
+        </p:nvSpPr>
+        <p:spPr>
+          <a:xfrm>
+            <a:off x="4771903" y="4944587"/>
+            <a:ext cx="593766" cy="581891"/>
+          </a:xfrm>
+          <a:prstGeom prst="roundRect">
+            <a:avLst/>
+          </a:prstGeom>
+          <a:solidFill>
+            <a:schemeClr val="accent2"/>
+          </a:solidFill>
+        </p:spPr>
+        <p:style>
+          <a:lnRef idx="2">
+            <a:schemeClr val="accent1">
+              <a:shade val="50000"/>
+            </a:schemeClr>
+          </a:lnRef>
+          <a:fillRef idx="1">
+            <a:schemeClr val="accent1"/>
+          </a:fillRef>
+          <a:effectRef idx="0">
+            <a:schemeClr val="accent1"/>
+          </a:effectRef>
+          <a:fontRef idx="minor">
+            <a:schemeClr val="lt1"/>
+          </a:fontRef>
+        </p:style>
+        <p:txBody>
+          <a:bodyPr rtlCol="0" anchor="ctr"/>
+          <a:lstStyle/>
+          <a:p>
+            <a:pPr algn="ctr"/>
+            <a:endParaRPr lang="en-TR"/>
+          </a:p>
+        </p:txBody>
+      </p:sp>
+      <p:sp>
+        <p:nvSpPr>
+          <p:cNvPr id="8" name="Rounded Rectangle 7">
+            <a:extLst>
+              <a:ext uri="{FF2B5EF4-FFF2-40B4-BE49-F238E27FC236}">
+                <a16:creationId xmlns:a16="http://schemas.microsoft.com/office/drawing/2014/main" id="{6A446B05-7D35-5846-8F5D-BAD9C5DD1EF4}"/>
+              </a:ext>
+            </a:extLst>
+          </p:cNvPr>
+          <p:cNvSpPr/>
+          <p:nvPr/>
+        </p:nvSpPr>
+        <p:spPr>
+          <a:xfrm>
+            <a:off x="6099960" y="4944588"/>
+            <a:ext cx="593766" cy="581891"/>
+          </a:xfrm>
+          <a:prstGeom prst="roundRect">
+            <a:avLst/>
+          </a:prstGeom>
+          <a:solidFill>
+            <a:schemeClr val="accent2"/>
+          </a:solidFill>
+        </p:spPr>
+        <p:style>
+          <a:lnRef idx="2">
+            <a:schemeClr val="accent1">
+              <a:shade val="50000"/>
+            </a:schemeClr>
+          </a:lnRef>
+          <a:fillRef idx="1">
+            <a:schemeClr val="accent1"/>
+          </a:fillRef>
+          <a:effectRef idx="0">
+            <a:schemeClr val="accent1"/>
+          </a:effectRef>
+          <a:fontRef idx="minor">
+            <a:schemeClr val="lt1"/>
+          </a:fontRef>
+        </p:style>
+        <p:txBody>
+          <a:bodyPr rtlCol="0" anchor="ctr"/>
+          <a:lstStyle/>
+          <a:p>
+            <a:pPr algn="ctr"/>
+            <a:endParaRPr lang="en-TR"/>
+          </a:p>
+        </p:txBody>
+      </p:sp>
+      <p:sp>
+        <p:nvSpPr>
+          <p:cNvPr id="9" name="Rounded Rectangle 8">
+            <a:extLst>
+              <a:ext uri="{FF2B5EF4-FFF2-40B4-BE49-F238E27FC236}">
+                <a16:creationId xmlns:a16="http://schemas.microsoft.com/office/drawing/2014/main" id="{9329F98B-A192-6B46-999B-2E7EB6C5CAB4}"/>
+              </a:ext>
+            </a:extLst>
+          </p:cNvPr>
+          <p:cNvSpPr/>
+          <p:nvPr/>
+        </p:nvSpPr>
+        <p:spPr>
+          <a:xfrm>
+            <a:off x="4771903" y="5625935"/>
+            <a:ext cx="593766" cy="581891"/>
+          </a:xfrm>
+          <a:prstGeom prst="roundRect">
+            <a:avLst/>
+          </a:prstGeom>
+          <a:solidFill>
+            <a:schemeClr val="accent2"/>
+          </a:solidFill>
+        </p:spPr>
+        <p:style>
+          <a:lnRef idx="2">
+            <a:schemeClr val="accent1">
+              <a:shade val="50000"/>
+            </a:schemeClr>
+          </a:lnRef>
+          <a:fillRef idx="1">
+            <a:schemeClr val="accent1"/>
+          </a:fillRef>
+          <a:effectRef idx="0">
+            <a:schemeClr val="accent1"/>
+          </a:effectRef>
+          <a:fontRef idx="minor">
+            <a:schemeClr val="lt1"/>
+          </a:fontRef>
+        </p:style>
+        <p:txBody>
+          <a:bodyPr rtlCol="0" anchor="ctr"/>
+          <a:lstStyle/>
+          <a:p>
+            <a:pPr algn="ctr"/>
+            <a:endParaRPr lang="en-TR"/>
+          </a:p>
+        </p:txBody>
+      </p:sp>
+      <p:sp>
+        <p:nvSpPr>
+          <p:cNvPr id="10" name="Rounded Rectangle 9">
+            <a:extLst>
+              <a:ext uri="{FF2B5EF4-FFF2-40B4-BE49-F238E27FC236}">
+                <a16:creationId xmlns:a16="http://schemas.microsoft.com/office/drawing/2014/main" id="{B5DE1E4E-AD39-A949-91FA-B8A97B5A433B}"/>
+              </a:ext>
+            </a:extLst>
+          </p:cNvPr>
+          <p:cNvSpPr/>
+          <p:nvPr/>
+        </p:nvSpPr>
+        <p:spPr>
+          <a:xfrm>
+            <a:off x="6103177" y="5625935"/>
+            <a:ext cx="593766" cy="581891"/>
+          </a:xfrm>
+          <a:prstGeom prst="roundRect">
+            <a:avLst/>
+          </a:prstGeom>
+          <a:solidFill>
+            <a:schemeClr val="accent2"/>
+          </a:solidFill>
+        </p:spPr>
+        <p:style>
+          <a:lnRef idx="2">
+            <a:schemeClr val="accent1">
+              <a:shade val="50000"/>
+            </a:schemeClr>
+          </a:lnRef>
+          <a:fillRef idx="1">
+            <a:schemeClr val="accent1"/>
+          </a:fillRef>
+          <a:effectRef idx="0">
+            <a:schemeClr val="accent1"/>
+          </a:effectRef>
+          <a:fontRef idx="minor">
+            <a:schemeClr val="lt1"/>
+          </a:fontRef>
+        </p:style>
+        <p:txBody>
+          <a:bodyPr rtlCol="0" anchor="ctr"/>
+          <a:lstStyle/>
+          <a:p>
+            <a:pPr algn="ctr"/>
+            <a:endParaRPr lang="en-TR"/>
+          </a:p>
+        </p:txBody>
+      </p:sp>
+      <p:sp>
+        <p:nvSpPr>
+          <p:cNvPr id="11" name="Rectangle 10">
+            <a:extLst>
+              <a:ext uri="{FF2B5EF4-FFF2-40B4-BE49-F238E27FC236}">
+                <a16:creationId xmlns:a16="http://schemas.microsoft.com/office/drawing/2014/main" id="{06CAD78F-448D-784E-9456-ABCF679C97CA}"/>
+              </a:ext>
+            </a:extLst>
+          </p:cNvPr>
+          <p:cNvSpPr/>
+          <p:nvPr/>
+        </p:nvSpPr>
+        <p:spPr>
+          <a:xfrm>
+            <a:off x="7562604" y="4845132"/>
+            <a:ext cx="2909455" cy="1413164"/>
+          </a:xfrm>
+          <a:prstGeom prst="rect">
+            <a:avLst/>
+          </a:prstGeom>
+        </p:spPr>
+        <p:style>
+          <a:lnRef idx="2">
+            <a:schemeClr val="accent1">
+              <a:shade val="50000"/>
+            </a:schemeClr>
+          </a:lnRef>
+          <a:fillRef idx="1">
+            <a:schemeClr val="accent1"/>
+          </a:fillRef>
+          <a:effectRef idx="0">
+            <a:schemeClr val="accent1"/>
+          </a:effectRef>
+          <a:fontRef idx="minor">
+            <a:schemeClr val="lt1"/>
+          </a:fontRef>
+        </p:style>
+        <p:txBody>
+          <a:bodyPr rtlCol="0" anchor="ctr"/>
+          <a:lstStyle/>
+          <a:p>
+            <a:pPr algn="ctr"/>
+            <a:r>
+              <a:rPr lang="en-TR" dirty="0"/>
+              <a:t>RAM</a:t>
+            </a:r>
+          </a:p>
+        </p:txBody>
+      </p:sp>
+      <p:sp>
+        <p:nvSpPr>
+          <p:cNvPr id="12" name="Rectangle 11">
+            <a:extLst>
+              <a:ext uri="{FF2B5EF4-FFF2-40B4-BE49-F238E27FC236}">
+                <a16:creationId xmlns:a16="http://schemas.microsoft.com/office/drawing/2014/main" id="{8651BCFC-64BF-E649-ADEE-B4A32C68EB7C}"/>
+              </a:ext>
+            </a:extLst>
+          </p:cNvPr>
+          <p:cNvSpPr/>
+          <p:nvPr/>
+        </p:nvSpPr>
+        <p:spPr>
+          <a:xfrm>
+            <a:off x="997527" y="3429000"/>
+            <a:ext cx="9474532" cy="1174915"/>
+          </a:xfrm>
+          <a:prstGeom prst="rect">
+            <a:avLst/>
+          </a:prstGeom>
+        </p:spPr>
+        <p:style>
+          <a:lnRef idx="2">
+            <a:schemeClr val="accent1">
+              <a:shade val="50000"/>
+            </a:schemeClr>
+          </a:lnRef>
+          <a:fillRef idx="1">
+            <a:schemeClr val="accent1"/>
+          </a:fillRef>
+          <a:effectRef idx="0">
+            <a:schemeClr val="accent1"/>
+          </a:effectRef>
+          <a:fontRef idx="minor">
+            <a:schemeClr val="lt1"/>
+          </a:fontRef>
+        </p:style>
+        <p:txBody>
+          <a:bodyPr rtlCol="0" anchor="ctr"/>
+          <a:lstStyle/>
+          <a:p>
+            <a:pPr algn="ctr"/>
+            <a:r>
+              <a:rPr lang="en-TR" dirty="0"/>
+              <a:t>Windows</a:t>
+            </a:r>
+          </a:p>
+        </p:txBody>
+      </p:sp>
+      <p:sp>
+        <p:nvSpPr>
+          <p:cNvPr id="13" name="Rectangle 12">
+            <a:extLst>
+              <a:ext uri="{FF2B5EF4-FFF2-40B4-BE49-F238E27FC236}">
+                <a16:creationId xmlns:a16="http://schemas.microsoft.com/office/drawing/2014/main" id="{AC1A3BC3-C7BC-C54C-95E9-335F002D68EB}"/>
+              </a:ext>
+            </a:extLst>
+          </p:cNvPr>
+          <p:cNvSpPr/>
+          <p:nvPr/>
+        </p:nvSpPr>
+        <p:spPr>
+          <a:xfrm>
+            <a:off x="1070571" y="2528888"/>
+            <a:ext cx="9474532" cy="802255"/>
+          </a:xfrm>
+          <a:prstGeom prst="rect">
+            <a:avLst/>
+          </a:prstGeom>
+          <a:solidFill>
+            <a:schemeClr val="accent3">
+              <a:lumMod val="20000"/>
+              <a:lumOff val="80000"/>
+            </a:schemeClr>
+          </a:solidFill>
+        </p:spPr>
+        <p:style>
+          <a:lnRef idx="2">
+            <a:schemeClr val="accent1">
+              <a:shade val="50000"/>
+            </a:schemeClr>
+          </a:lnRef>
+          <a:fillRef idx="1">
+            <a:schemeClr val="accent1"/>
+          </a:fillRef>
+          <a:effectRef idx="0">
+            <a:schemeClr val="accent1"/>
+          </a:effectRef>
+          <a:fontRef idx="minor">
+            <a:schemeClr val="lt1"/>
+          </a:fontRef>
+        </p:style>
+        <p:txBody>
+          <a:bodyPr rtlCol="0" anchor="ctr"/>
+          <a:lstStyle/>
+          <a:p>
+            <a:pPr algn="ctr"/>
+            <a:r>
+              <a:rPr lang="en-TR" dirty="0">
+                <a:solidFill>
+                  <a:schemeClr val="tx1"/>
+                </a:solidFill>
+              </a:rPr>
+              <a:t>Linux Kernel</a:t>
+            </a:r>
+          </a:p>
+        </p:txBody>
+      </p:sp>
+      <p:sp>
+        <p:nvSpPr>
+          <p:cNvPr id="16" name="TextBox 15">
+            <a:extLst>
+              <a:ext uri="{FF2B5EF4-FFF2-40B4-BE49-F238E27FC236}">
+                <a16:creationId xmlns:a16="http://schemas.microsoft.com/office/drawing/2014/main" id="{FF929016-5F3E-604F-BDBA-96F17541F78E}"/>
+              </a:ext>
+            </a:extLst>
+          </p:cNvPr>
+          <p:cNvSpPr txBox="1"/>
+          <p:nvPr/>
+        </p:nvSpPr>
+        <p:spPr>
+          <a:xfrm>
+            <a:off x="468030" y="124770"/>
+            <a:ext cx="2168222" cy="646331"/>
+          </a:xfrm>
+          <a:prstGeom prst="rect">
+            <a:avLst/>
+          </a:prstGeom>
+          <a:noFill/>
+        </p:spPr>
+        <p:txBody>
+          <a:bodyPr wrap="none" rtlCol="0">
+            <a:spAutoFit/>
+          </a:bodyPr>
+          <a:lstStyle/>
+          <a:p>
+            <a:pPr algn="ctr"/>
+            <a:r>
+              <a:rPr lang="en-TR" dirty="0"/>
+              <a:t>Containerization Tool</a:t>
+            </a:r>
+          </a:p>
+          <a:p>
+            <a:pPr algn="ctr"/>
+            <a:r>
+              <a:rPr lang="en-TR" dirty="0"/>
+              <a:t>(Docker)</a:t>
+            </a:r>
+          </a:p>
+        </p:txBody>
+      </p:sp>
+      <p:sp>
+        <p:nvSpPr>
+          <p:cNvPr id="31" name="Rectangle 30">
+            <a:extLst>
+              <a:ext uri="{FF2B5EF4-FFF2-40B4-BE49-F238E27FC236}">
+                <a16:creationId xmlns:a16="http://schemas.microsoft.com/office/drawing/2014/main" id="{126826FC-C8B6-5949-BE1A-BADD28AF5BE6}"/>
+              </a:ext>
+            </a:extLst>
+          </p:cNvPr>
+          <p:cNvSpPr/>
+          <p:nvPr/>
+        </p:nvSpPr>
+        <p:spPr>
+          <a:xfrm>
+            <a:off x="1324654" y="1343712"/>
+            <a:ext cx="1127600" cy="1064567"/>
+          </a:xfrm>
+          <a:prstGeom prst="rect">
+            <a:avLst/>
+          </a:prstGeom>
+          <a:solidFill>
+            <a:schemeClr val="accent6"/>
+          </a:solidFill>
+        </p:spPr>
+        <p:style>
+          <a:lnRef idx="2">
+            <a:schemeClr val="accent1">
+              <a:shade val="50000"/>
+            </a:schemeClr>
+          </a:lnRef>
+          <a:fillRef idx="1">
+            <a:schemeClr val="accent1"/>
+          </a:fillRef>
+          <a:effectRef idx="0">
+            <a:schemeClr val="accent1"/>
+          </a:effectRef>
+          <a:fontRef idx="minor">
+            <a:schemeClr val="lt1"/>
+          </a:fontRef>
+        </p:style>
+        <p:txBody>
+          <a:bodyPr rtlCol="0" anchor="ctr"/>
+          <a:lstStyle/>
+          <a:p>
+            <a:pPr algn="ctr"/>
+            <a:r>
+              <a:rPr lang="en-TR" dirty="0"/>
+              <a:t>Ubuntu Container</a:t>
+            </a:r>
+          </a:p>
+        </p:txBody>
+      </p:sp>
+      <p:sp>
+        <p:nvSpPr>
+          <p:cNvPr id="32" name="Rectangle 31">
+            <a:extLst>
+              <a:ext uri="{FF2B5EF4-FFF2-40B4-BE49-F238E27FC236}">
+                <a16:creationId xmlns:a16="http://schemas.microsoft.com/office/drawing/2014/main" id="{054C22A6-4C45-D14E-9DC9-7152ED448B22}"/>
+              </a:ext>
+            </a:extLst>
+          </p:cNvPr>
+          <p:cNvSpPr/>
+          <p:nvPr/>
+        </p:nvSpPr>
+        <p:spPr>
+          <a:xfrm>
+            <a:off x="2779382" y="1343711"/>
+            <a:ext cx="1127600" cy="1064567"/>
+          </a:xfrm>
+          <a:prstGeom prst="rect">
+            <a:avLst/>
+          </a:prstGeom>
+          <a:solidFill>
+            <a:schemeClr val="accent6"/>
+          </a:solidFill>
+        </p:spPr>
+        <p:style>
+          <a:lnRef idx="2">
+            <a:schemeClr val="accent1">
+              <a:shade val="50000"/>
+            </a:schemeClr>
+          </a:lnRef>
+          <a:fillRef idx="1">
+            <a:schemeClr val="accent1"/>
+          </a:fillRef>
+          <a:effectRef idx="0">
+            <a:schemeClr val="accent1"/>
+          </a:effectRef>
+          <a:fontRef idx="minor">
+            <a:schemeClr val="lt1"/>
+          </a:fontRef>
+        </p:style>
+        <p:txBody>
+          <a:bodyPr rtlCol="0" anchor="ctr"/>
+          <a:lstStyle/>
+          <a:p>
+            <a:pPr algn="ctr"/>
+            <a:r>
+              <a:rPr lang="en-TR" dirty="0"/>
+              <a:t>Centos Container</a:t>
+            </a:r>
+          </a:p>
+        </p:txBody>
+      </p:sp>
+      <p:sp>
+        <p:nvSpPr>
+          <p:cNvPr id="33" name="Rectangle 32">
+            <a:extLst>
+              <a:ext uri="{FF2B5EF4-FFF2-40B4-BE49-F238E27FC236}">
+                <a16:creationId xmlns:a16="http://schemas.microsoft.com/office/drawing/2014/main" id="{B90D2451-C500-9B49-9857-2BDE68E0E9AC}"/>
+              </a:ext>
+            </a:extLst>
+          </p:cNvPr>
+          <p:cNvSpPr/>
+          <p:nvPr/>
+        </p:nvSpPr>
+        <p:spPr>
+          <a:xfrm>
+            <a:off x="4330288" y="1343710"/>
+            <a:ext cx="1127600" cy="1064567"/>
+          </a:xfrm>
+          <a:prstGeom prst="rect">
+            <a:avLst/>
+          </a:prstGeom>
+          <a:solidFill>
+            <a:schemeClr val="accent6"/>
+          </a:solidFill>
+        </p:spPr>
+        <p:style>
+          <a:lnRef idx="2">
+            <a:schemeClr val="accent1">
+              <a:shade val="50000"/>
+            </a:schemeClr>
+          </a:lnRef>
+          <a:fillRef idx="1">
+            <a:schemeClr val="accent1"/>
+          </a:fillRef>
+          <a:effectRef idx="0">
+            <a:schemeClr val="accent1"/>
+          </a:effectRef>
+          <a:fontRef idx="minor">
+            <a:schemeClr val="lt1"/>
+          </a:fontRef>
+        </p:style>
+        <p:txBody>
+          <a:bodyPr rtlCol="0" anchor="ctr"/>
+          <a:lstStyle/>
+          <a:p>
+            <a:pPr algn="ctr"/>
+            <a:r>
+              <a:rPr lang="en-TR" dirty="0"/>
+              <a:t>Suse Container</a:t>
+            </a:r>
+          </a:p>
+        </p:txBody>
+      </p:sp>
+      <p:sp>
+        <p:nvSpPr>
+          <p:cNvPr id="34" name="TextBox 33">
+            <a:extLst>
+              <a:ext uri="{FF2B5EF4-FFF2-40B4-BE49-F238E27FC236}">
+                <a16:creationId xmlns:a16="http://schemas.microsoft.com/office/drawing/2014/main" id="{CC58D384-8E89-7E4D-AF60-C02BA6AC83AE}"/>
+              </a:ext>
+            </a:extLst>
+          </p:cNvPr>
+          <p:cNvSpPr txBox="1"/>
+          <p:nvPr/>
+        </p:nvSpPr>
+        <p:spPr>
+          <a:xfrm>
+            <a:off x="10884701" y="263269"/>
+            <a:ext cx="839269" cy="369332"/>
+          </a:xfrm>
+          <a:prstGeom prst="rect">
+            <a:avLst/>
+          </a:prstGeom>
+          <a:noFill/>
+        </p:spPr>
+        <p:txBody>
+          <a:bodyPr wrap="none" rtlCol="0">
+            <a:spAutoFit/>
+          </a:bodyPr>
+          <a:lstStyle/>
+          <a:p>
+            <a:r>
+              <a:rPr lang="en-TR" dirty="0"/>
+              <a:t>Docker</a:t>
+            </a:r>
+          </a:p>
+        </p:txBody>
+      </p:sp>
+      <p:sp>
+        <p:nvSpPr>
+          <p:cNvPr id="35" name="Rectangle 34">
+            <a:extLst>
+              <a:ext uri="{FF2B5EF4-FFF2-40B4-BE49-F238E27FC236}">
+                <a16:creationId xmlns:a16="http://schemas.microsoft.com/office/drawing/2014/main" id="{505F7560-611C-354A-976E-429728A82CD9}"/>
+              </a:ext>
+            </a:extLst>
+          </p:cNvPr>
+          <p:cNvSpPr/>
+          <p:nvPr/>
+        </p:nvSpPr>
+        <p:spPr>
+          <a:xfrm>
+            <a:off x="5881194" y="1342384"/>
+            <a:ext cx="1127600" cy="1064567"/>
+          </a:xfrm>
+          <a:prstGeom prst="rect">
+            <a:avLst/>
+          </a:prstGeom>
+          <a:solidFill>
+            <a:schemeClr val="accent6"/>
+          </a:solidFill>
+        </p:spPr>
+        <p:style>
+          <a:lnRef idx="2">
+            <a:schemeClr val="accent1">
+              <a:shade val="50000"/>
+            </a:schemeClr>
+          </a:lnRef>
+          <a:fillRef idx="1">
+            <a:schemeClr val="accent1"/>
+          </a:fillRef>
+          <a:effectRef idx="0">
+            <a:schemeClr val="accent1"/>
+          </a:effectRef>
+          <a:fontRef idx="minor">
+            <a:schemeClr val="lt1"/>
+          </a:fontRef>
+        </p:style>
+        <p:txBody>
+          <a:bodyPr rtlCol="0" anchor="ctr"/>
+          <a:lstStyle/>
+          <a:p>
+            <a:pPr algn="ctr"/>
+            <a:r>
+              <a:rPr lang="en-TR" dirty="0"/>
+              <a:t>Debian MongoDB</a:t>
             </a:r>
           </a:p>
         </p:txBody>
@@ -7762,6 +10102,1016 @@
     <p:extLst>
       <p:ext uri="{BB962C8B-B14F-4D97-AF65-F5344CB8AC3E}">
         <p14:creationId xmlns:p14="http://schemas.microsoft.com/office/powerpoint/2010/main" val="2811893503"/>
+      </p:ext>
+    </p:extLst>
+  </p:cSld>
+  <p:clrMapOvr>
+    <a:masterClrMapping/>
+  </p:clrMapOvr>
+</p:sld>
+</file>
+
+<file path=ppt/slides/slide8.xml><?xml version="1.0" encoding="utf-8"?>
+<p:sld xmlns:a="http://schemas.openxmlformats.org/drawingml/2006/main" xmlns:r="http://schemas.openxmlformats.org/officeDocument/2006/relationships" xmlns:p="http://schemas.openxmlformats.org/presentationml/2006/main">
+  <p:cSld>
+    <p:spTree>
+      <p:nvGrpSpPr>
+        <p:cNvPr id="1" name=""/>
+        <p:cNvGrpSpPr/>
+        <p:nvPr/>
+      </p:nvGrpSpPr>
+      <p:grpSpPr>
+        <a:xfrm>
+          <a:off x="0" y="0"/>
+          <a:ext cx="0" cy="0"/>
+          <a:chOff x="0" y="0"/>
+          <a:chExt cx="0" cy="0"/>
+        </a:xfrm>
+      </p:grpSpPr>
+      <p:sp>
+        <p:nvSpPr>
+          <p:cNvPr id="4" name="Rectangle 3">
+            <a:extLst>
+              <a:ext uri="{FF2B5EF4-FFF2-40B4-BE49-F238E27FC236}">
+                <a16:creationId xmlns:a16="http://schemas.microsoft.com/office/drawing/2014/main" id="{AE4558C0-A02B-2341-8C79-C55B9FD00A7A}"/>
+              </a:ext>
+            </a:extLst>
+          </p:cNvPr>
+          <p:cNvSpPr/>
+          <p:nvPr/>
+        </p:nvSpPr>
+        <p:spPr>
+          <a:xfrm>
+            <a:off x="866898" y="855024"/>
+            <a:ext cx="9037122" cy="5332020"/>
+          </a:xfrm>
+          <a:prstGeom prst="rect">
+            <a:avLst/>
+          </a:prstGeom>
+          <a:solidFill>
+            <a:schemeClr val="accent3">
+              <a:lumMod val="20000"/>
+              <a:lumOff val="80000"/>
+            </a:schemeClr>
+          </a:solidFill>
+        </p:spPr>
+        <p:style>
+          <a:lnRef idx="2">
+            <a:schemeClr val="accent1">
+              <a:shade val="50000"/>
+            </a:schemeClr>
+          </a:lnRef>
+          <a:fillRef idx="1">
+            <a:schemeClr val="accent1"/>
+          </a:fillRef>
+          <a:effectRef idx="0">
+            <a:schemeClr val="accent1"/>
+          </a:effectRef>
+          <a:fontRef idx="minor">
+            <a:schemeClr val="lt1"/>
+          </a:fontRef>
+        </p:style>
+        <p:txBody>
+          <a:bodyPr rtlCol="0" anchor="ctr"/>
+          <a:lstStyle/>
+          <a:p>
+            <a:pPr algn="ctr"/>
+            <a:endParaRPr lang="en-TR" dirty="0"/>
+          </a:p>
+        </p:txBody>
+      </p:sp>
+      <p:sp>
+        <p:nvSpPr>
+          <p:cNvPr id="5" name="TextBox 4">
+            <a:extLst>
+              <a:ext uri="{FF2B5EF4-FFF2-40B4-BE49-F238E27FC236}">
+                <a16:creationId xmlns:a16="http://schemas.microsoft.com/office/drawing/2014/main" id="{07246957-6870-4B4C-A94C-871FC2307750}"/>
+              </a:ext>
+            </a:extLst>
+          </p:cNvPr>
+          <p:cNvSpPr txBox="1"/>
+          <p:nvPr/>
+        </p:nvSpPr>
+        <p:spPr>
+          <a:xfrm>
+            <a:off x="4524499" y="301624"/>
+            <a:ext cx="1153201" cy="369332"/>
+          </a:xfrm>
+          <a:prstGeom prst="rect">
+            <a:avLst/>
+          </a:prstGeom>
+          <a:noFill/>
+        </p:spPr>
+        <p:txBody>
+          <a:bodyPr wrap="none" rtlCol="0">
+            <a:spAutoFit/>
+          </a:bodyPr>
+          <a:lstStyle/>
+          <a:p>
+            <a:r>
+              <a:rPr lang="en-TR" dirty="0"/>
+              <a:t>VirtualBox</a:t>
+            </a:r>
+          </a:p>
+        </p:txBody>
+      </p:sp>
+      <p:sp>
+        <p:nvSpPr>
+          <p:cNvPr id="6" name="Rectangle 5">
+            <a:extLst>
+              <a:ext uri="{FF2B5EF4-FFF2-40B4-BE49-F238E27FC236}">
+                <a16:creationId xmlns:a16="http://schemas.microsoft.com/office/drawing/2014/main" id="{DEED8D6C-3B38-D349-8A01-EDBEBCBB35CE}"/>
+              </a:ext>
+            </a:extLst>
+          </p:cNvPr>
+          <p:cNvSpPr/>
+          <p:nvPr/>
+        </p:nvSpPr>
+        <p:spPr>
+          <a:xfrm>
+            <a:off x="1800225" y="1947306"/>
+            <a:ext cx="2228850" cy="1085850"/>
+          </a:xfrm>
+          <a:prstGeom prst="rect">
+            <a:avLst/>
+          </a:prstGeom>
+        </p:spPr>
+        <p:style>
+          <a:lnRef idx="2">
+            <a:schemeClr val="accent1">
+              <a:shade val="50000"/>
+            </a:schemeClr>
+          </a:lnRef>
+          <a:fillRef idx="1">
+            <a:schemeClr val="accent1"/>
+          </a:fillRef>
+          <a:effectRef idx="0">
+            <a:schemeClr val="accent1"/>
+          </a:effectRef>
+          <a:fontRef idx="minor">
+            <a:schemeClr val="lt1"/>
+          </a:fontRef>
+        </p:style>
+        <p:txBody>
+          <a:bodyPr rtlCol="0" anchor="ctr"/>
+          <a:lstStyle/>
+          <a:p>
+            <a:pPr algn="ctr"/>
+            <a:r>
+              <a:rPr lang="en-TR" dirty="0"/>
+              <a:t>hadoop1</a:t>
+            </a:r>
+          </a:p>
+        </p:txBody>
+      </p:sp>
+      <p:sp>
+        <p:nvSpPr>
+          <p:cNvPr id="7" name="Rectangle 6">
+            <a:extLst>
+              <a:ext uri="{FF2B5EF4-FFF2-40B4-BE49-F238E27FC236}">
+                <a16:creationId xmlns:a16="http://schemas.microsoft.com/office/drawing/2014/main" id="{FB871977-4438-B242-B100-E1F43140E6BE}"/>
+              </a:ext>
+            </a:extLst>
+          </p:cNvPr>
+          <p:cNvSpPr/>
+          <p:nvPr/>
+        </p:nvSpPr>
+        <p:spPr>
+          <a:xfrm>
+            <a:off x="5548314" y="1947307"/>
+            <a:ext cx="2228850" cy="1085850"/>
+          </a:xfrm>
+          <a:prstGeom prst="rect">
+            <a:avLst/>
+          </a:prstGeom>
+        </p:spPr>
+        <p:style>
+          <a:lnRef idx="2">
+            <a:schemeClr val="accent1">
+              <a:shade val="50000"/>
+            </a:schemeClr>
+          </a:lnRef>
+          <a:fillRef idx="1">
+            <a:schemeClr val="accent1"/>
+          </a:fillRef>
+          <a:effectRef idx="0">
+            <a:schemeClr val="accent1"/>
+          </a:effectRef>
+          <a:fontRef idx="minor">
+            <a:schemeClr val="lt1"/>
+          </a:fontRef>
+        </p:style>
+        <p:txBody>
+          <a:bodyPr rtlCol="0" anchor="ctr"/>
+          <a:lstStyle/>
+          <a:p>
+            <a:pPr algn="ctr"/>
+            <a:r>
+              <a:rPr lang="en-TR" dirty="0"/>
+              <a:t>hadoop3</a:t>
+            </a:r>
+          </a:p>
+        </p:txBody>
+      </p:sp>
+      <p:sp>
+        <p:nvSpPr>
+          <p:cNvPr id="8" name="Rectangle 7">
+            <a:extLst>
+              <a:ext uri="{FF2B5EF4-FFF2-40B4-BE49-F238E27FC236}">
+                <a16:creationId xmlns:a16="http://schemas.microsoft.com/office/drawing/2014/main" id="{19FE8253-24F3-D345-A22B-837497D9F596}"/>
+              </a:ext>
+            </a:extLst>
+          </p:cNvPr>
+          <p:cNvSpPr/>
+          <p:nvPr/>
+        </p:nvSpPr>
+        <p:spPr>
+          <a:xfrm>
+            <a:off x="3829050" y="3824844"/>
+            <a:ext cx="2228850" cy="1085850"/>
+          </a:xfrm>
+          <a:prstGeom prst="rect">
+            <a:avLst/>
+          </a:prstGeom>
+        </p:spPr>
+        <p:style>
+          <a:lnRef idx="2">
+            <a:schemeClr val="accent1">
+              <a:shade val="50000"/>
+            </a:schemeClr>
+          </a:lnRef>
+          <a:fillRef idx="1">
+            <a:schemeClr val="accent1"/>
+          </a:fillRef>
+          <a:effectRef idx="0">
+            <a:schemeClr val="accent1"/>
+          </a:effectRef>
+          <a:fontRef idx="minor">
+            <a:schemeClr val="lt1"/>
+          </a:fontRef>
+        </p:style>
+        <p:txBody>
+          <a:bodyPr rtlCol="0" anchor="ctr"/>
+          <a:lstStyle/>
+          <a:p>
+            <a:pPr algn="ctr"/>
+            <a:r>
+              <a:rPr lang="en-TR" dirty="0"/>
+              <a:t>hadoop3</a:t>
+            </a:r>
+          </a:p>
+        </p:txBody>
+      </p:sp>
+      <p:grpSp>
+        <p:nvGrpSpPr>
+          <p:cNvPr id="13" name="Group 12">
+            <a:extLst>
+              <a:ext uri="{FF2B5EF4-FFF2-40B4-BE49-F238E27FC236}">
+                <a16:creationId xmlns:a16="http://schemas.microsoft.com/office/drawing/2014/main" id="{3B4C9650-CC00-7849-B75F-99C26C7E0C8D}"/>
+              </a:ext>
+            </a:extLst>
+          </p:cNvPr>
+          <p:cNvGrpSpPr/>
+          <p:nvPr/>
+        </p:nvGrpSpPr>
+        <p:grpSpPr>
+          <a:xfrm>
+            <a:off x="4014742" y="2512035"/>
+            <a:ext cx="1517400" cy="1279080"/>
+            <a:chOff x="4014742" y="2512035"/>
+            <a:chExt cx="1517400" cy="1279080"/>
+          </a:xfrm>
+        </p:grpSpPr>
+        <mc:AlternateContent xmlns:mc="http://schemas.openxmlformats.org/markup-compatibility/2006" xmlns:p14="http://schemas.microsoft.com/office/powerpoint/2010/main">
+          <mc:Choice Requires="p14">
+            <p:contentPart p14:bwMode="auto" r:id="rId2">
+              <p14:nvContentPartPr>
+                <p14:cNvPr id="9" name="Ink 8">
+                  <a:extLst>
+                    <a:ext uri="{FF2B5EF4-FFF2-40B4-BE49-F238E27FC236}">
+                      <a16:creationId xmlns:a16="http://schemas.microsoft.com/office/drawing/2014/main" id="{314770AB-F427-714C-AA8A-CC41CA6E77BD}"/>
+                    </a:ext>
+                  </a:extLst>
+                </p14:cNvPr>
+                <p14:cNvContentPartPr/>
+                <p14:nvPr/>
+              </p14:nvContentPartPr>
+              <p14:xfrm>
+                <a:off x="4014742" y="2533995"/>
+                <a:ext cx="1283040" cy="360"/>
+              </p14:xfrm>
+            </p:contentPart>
+          </mc:Choice>
+          <mc:Fallback xmlns="">
+            <p:pic>
+              <p:nvPicPr>
+                <p:cNvPr id="9" name="Ink 8">
+                  <a:extLst>
+                    <a:ext uri="{FF2B5EF4-FFF2-40B4-BE49-F238E27FC236}">
+                      <a16:creationId xmlns:a16="http://schemas.microsoft.com/office/drawing/2014/main" id="{314770AB-F427-714C-AA8A-CC41CA6E77BD}"/>
+                    </a:ext>
+                  </a:extLst>
+                </p:cNvPr>
+                <p:cNvPicPr/>
+                <p:nvPr/>
+              </p:nvPicPr>
+              <p:blipFill>
+                <a:blip r:embed="rId3"/>
+                <a:stretch>
+                  <a:fillRect/>
+                </a:stretch>
+              </p:blipFill>
+              <p:spPr>
+                <a:xfrm>
+                  <a:off x="3978742" y="2498355"/>
+                  <a:ext cx="1354680" cy="72000"/>
+                </a:xfrm>
+                <a:prstGeom prst="rect">
+                  <a:avLst/>
+                </a:prstGeom>
+              </p:spPr>
+            </p:pic>
+          </mc:Fallback>
+        </mc:AlternateContent>
+        <mc:AlternateContent xmlns:mc="http://schemas.openxmlformats.org/markup-compatibility/2006" xmlns:p14="http://schemas.microsoft.com/office/powerpoint/2010/main">
+          <mc:Choice Requires="p14">
+            <p:contentPart p14:bwMode="auto" r:id="rId4">
+              <p14:nvContentPartPr>
+                <p14:cNvPr id="10" name="Ink 9">
+                  <a:extLst>
+                    <a:ext uri="{FF2B5EF4-FFF2-40B4-BE49-F238E27FC236}">
+                      <a16:creationId xmlns:a16="http://schemas.microsoft.com/office/drawing/2014/main" id="{6DBC19FE-B1DD-5E49-9C86-119776C45A88}"/>
+                    </a:ext>
+                  </a:extLst>
+                </p14:cNvPr>
+                <p14:cNvContentPartPr/>
+                <p14:nvPr/>
+              </p14:nvContentPartPr>
+              <p14:xfrm>
+                <a:off x="4988182" y="2512035"/>
+                <a:ext cx="543960" cy="24120"/>
+              </p14:xfrm>
+            </p:contentPart>
+          </mc:Choice>
+          <mc:Fallback xmlns="">
+            <p:pic>
+              <p:nvPicPr>
+                <p:cNvPr id="10" name="Ink 9">
+                  <a:extLst>
+                    <a:ext uri="{FF2B5EF4-FFF2-40B4-BE49-F238E27FC236}">
+                      <a16:creationId xmlns:a16="http://schemas.microsoft.com/office/drawing/2014/main" id="{6DBC19FE-B1DD-5E49-9C86-119776C45A88}"/>
+                    </a:ext>
+                  </a:extLst>
+                </p:cNvPr>
+                <p:cNvPicPr/>
+                <p:nvPr/>
+              </p:nvPicPr>
+              <p:blipFill>
+                <a:blip r:embed="rId5"/>
+                <a:stretch>
+                  <a:fillRect/>
+                </a:stretch>
+              </p:blipFill>
+              <p:spPr>
+                <a:xfrm>
+                  <a:off x="4952542" y="2476395"/>
+                  <a:ext cx="615600" cy="95760"/>
+                </a:xfrm>
+                <a:prstGeom prst="rect">
+                  <a:avLst/>
+                </a:prstGeom>
+              </p:spPr>
+            </p:pic>
+          </mc:Fallback>
+        </mc:AlternateContent>
+        <mc:AlternateContent xmlns:mc="http://schemas.openxmlformats.org/markup-compatibility/2006" xmlns:p14="http://schemas.microsoft.com/office/powerpoint/2010/main">
+          <mc:Choice Requires="p14">
+            <p:contentPart p14:bwMode="auto" r:id="rId6">
+              <p14:nvContentPartPr>
+                <p14:cNvPr id="12" name="Ink 11">
+                  <a:extLst>
+                    <a:ext uri="{FF2B5EF4-FFF2-40B4-BE49-F238E27FC236}">
+                      <a16:creationId xmlns:a16="http://schemas.microsoft.com/office/drawing/2014/main" id="{92139070-5449-4947-9911-EFA1FACDBE0C}"/>
+                    </a:ext>
+                  </a:extLst>
+                </p14:cNvPr>
+                <p14:cNvContentPartPr/>
+                <p14:nvPr/>
+              </p14:nvContentPartPr>
+              <p14:xfrm>
+                <a:off x="4798102" y="2583675"/>
+                <a:ext cx="37440" cy="1207440"/>
+              </p14:xfrm>
+            </p:contentPart>
+          </mc:Choice>
+          <mc:Fallback xmlns="">
+            <p:pic>
+              <p:nvPicPr>
+                <p:cNvPr id="12" name="Ink 11">
+                  <a:extLst>
+                    <a:ext uri="{FF2B5EF4-FFF2-40B4-BE49-F238E27FC236}">
+                      <a16:creationId xmlns:a16="http://schemas.microsoft.com/office/drawing/2014/main" id="{92139070-5449-4947-9911-EFA1FACDBE0C}"/>
+                    </a:ext>
+                  </a:extLst>
+                </p:cNvPr>
+                <p:cNvPicPr/>
+                <p:nvPr/>
+              </p:nvPicPr>
+              <p:blipFill>
+                <a:blip r:embed="rId7"/>
+                <a:stretch>
+                  <a:fillRect/>
+                </a:stretch>
+              </p:blipFill>
+              <p:spPr>
+                <a:xfrm>
+                  <a:off x="4762102" y="2547675"/>
+                  <a:ext cx="109080" cy="1279080"/>
+                </a:xfrm>
+                <a:prstGeom prst="rect">
+                  <a:avLst/>
+                </a:prstGeom>
+              </p:spPr>
+            </p:pic>
+          </mc:Fallback>
+        </mc:AlternateContent>
+      </p:grpSp>
+      <p:grpSp>
+        <p:nvGrpSpPr>
+          <p:cNvPr id="22" name="Group 21">
+            <a:extLst>
+              <a:ext uri="{FF2B5EF4-FFF2-40B4-BE49-F238E27FC236}">
+                <a16:creationId xmlns:a16="http://schemas.microsoft.com/office/drawing/2014/main" id="{B4403890-96A0-3245-98AE-AA100530D6A0}"/>
+              </a:ext>
+            </a:extLst>
+          </p:cNvPr>
+          <p:cNvGrpSpPr/>
+          <p:nvPr/>
+        </p:nvGrpSpPr>
+        <p:grpSpPr>
+          <a:xfrm>
+            <a:off x="3153622" y="857475"/>
+            <a:ext cx="8492040" cy="5402160"/>
+            <a:chOff x="3153622" y="857475"/>
+            <a:chExt cx="8492040" cy="5402160"/>
+          </a:xfrm>
+        </p:grpSpPr>
+        <mc:AlternateContent xmlns:mc="http://schemas.openxmlformats.org/markup-compatibility/2006" xmlns:p14="http://schemas.microsoft.com/office/powerpoint/2010/main">
+          <mc:Choice Requires="p14">
+            <p:contentPart p14:bwMode="auto" r:id="rId8">
+              <p14:nvContentPartPr>
+                <p14:cNvPr id="14" name="Ink 13">
+                  <a:extLst>
+                    <a:ext uri="{FF2B5EF4-FFF2-40B4-BE49-F238E27FC236}">
+                      <a16:creationId xmlns:a16="http://schemas.microsoft.com/office/drawing/2014/main" id="{32821A4E-189B-9740-A798-B6AF3D3E220F}"/>
+                    </a:ext>
+                  </a:extLst>
+                </p14:cNvPr>
+                <p14:cNvContentPartPr/>
+                <p14:nvPr/>
+              </p14:nvContentPartPr>
+              <p14:xfrm>
+                <a:off x="5922742" y="4942035"/>
+                <a:ext cx="5076000" cy="657360"/>
+              </p14:xfrm>
+            </p:contentPart>
+          </mc:Choice>
+          <mc:Fallback xmlns="">
+            <p:pic>
+              <p:nvPicPr>
+                <p:cNvPr id="14" name="Ink 13">
+                  <a:extLst>
+                    <a:ext uri="{FF2B5EF4-FFF2-40B4-BE49-F238E27FC236}">
+                      <a16:creationId xmlns:a16="http://schemas.microsoft.com/office/drawing/2014/main" id="{32821A4E-189B-9740-A798-B6AF3D3E220F}"/>
+                    </a:ext>
+                  </a:extLst>
+                </p:cNvPr>
+                <p:cNvPicPr/>
+                <p:nvPr/>
+              </p:nvPicPr>
+              <p:blipFill>
+                <a:blip r:embed="rId9"/>
+                <a:stretch>
+                  <a:fillRect/>
+                </a:stretch>
+              </p:blipFill>
+              <p:spPr>
+                <a:xfrm>
+                  <a:off x="5886742" y="4906035"/>
+                  <a:ext cx="5147640" cy="729000"/>
+                </a:xfrm>
+                <a:prstGeom prst="rect">
+                  <a:avLst/>
+                </a:prstGeom>
+              </p:spPr>
+            </p:pic>
+          </mc:Fallback>
+        </mc:AlternateContent>
+        <mc:AlternateContent xmlns:mc="http://schemas.openxmlformats.org/markup-compatibility/2006" xmlns:p14="http://schemas.microsoft.com/office/powerpoint/2010/main">
+          <mc:Choice Requires="p14">
+            <p:contentPart p14:bwMode="auto" r:id="rId10">
+              <p14:nvContentPartPr>
+                <p14:cNvPr id="15" name="Ink 14">
+                  <a:extLst>
+                    <a:ext uri="{FF2B5EF4-FFF2-40B4-BE49-F238E27FC236}">
+                      <a16:creationId xmlns:a16="http://schemas.microsoft.com/office/drawing/2014/main" id="{60F1ADB1-FF97-8641-8380-349AB6D44555}"/>
+                    </a:ext>
+                  </a:extLst>
+                </p14:cNvPr>
+                <p14:cNvContentPartPr/>
+                <p14:nvPr/>
+              </p14:nvContentPartPr>
+              <p14:xfrm>
+                <a:off x="7861702" y="2574315"/>
+                <a:ext cx="3360600" cy="880200"/>
+              </p14:xfrm>
+            </p:contentPart>
+          </mc:Choice>
+          <mc:Fallback xmlns="">
+            <p:pic>
+              <p:nvPicPr>
+                <p:cNvPr id="15" name="Ink 14">
+                  <a:extLst>
+                    <a:ext uri="{FF2B5EF4-FFF2-40B4-BE49-F238E27FC236}">
+                      <a16:creationId xmlns:a16="http://schemas.microsoft.com/office/drawing/2014/main" id="{60F1ADB1-FF97-8641-8380-349AB6D44555}"/>
+                    </a:ext>
+                  </a:extLst>
+                </p:cNvPr>
+                <p:cNvPicPr/>
+                <p:nvPr/>
+              </p:nvPicPr>
+              <p:blipFill>
+                <a:blip r:embed="rId11"/>
+                <a:stretch>
+                  <a:fillRect/>
+                </a:stretch>
+              </p:blipFill>
+              <p:spPr>
+                <a:xfrm>
+                  <a:off x="7826062" y="2538675"/>
+                  <a:ext cx="3432240" cy="951840"/>
+                </a:xfrm>
+                <a:prstGeom prst="rect">
+                  <a:avLst/>
+                </a:prstGeom>
+              </p:spPr>
+            </p:pic>
+          </mc:Fallback>
+        </mc:AlternateContent>
+        <mc:AlternateContent xmlns:mc="http://schemas.openxmlformats.org/markup-compatibility/2006" xmlns:p14="http://schemas.microsoft.com/office/powerpoint/2010/main">
+          <mc:Choice Requires="p14">
+            <p:contentPart p14:bwMode="auto" r:id="rId12">
+              <p14:nvContentPartPr>
+                <p14:cNvPr id="16" name="Ink 15">
+                  <a:extLst>
+                    <a:ext uri="{FF2B5EF4-FFF2-40B4-BE49-F238E27FC236}">
+                      <a16:creationId xmlns:a16="http://schemas.microsoft.com/office/drawing/2014/main" id="{F45A2FD6-2C13-9348-9EC0-0997842E8A9C}"/>
+                    </a:ext>
+                  </a:extLst>
+                </p14:cNvPr>
+                <p14:cNvContentPartPr/>
+                <p14:nvPr/>
+              </p14:nvContentPartPr>
+              <p14:xfrm>
+                <a:off x="3153622" y="857475"/>
+                <a:ext cx="8077680" cy="3201120"/>
+              </p14:xfrm>
+            </p:contentPart>
+          </mc:Choice>
+          <mc:Fallback xmlns="">
+            <p:pic>
+              <p:nvPicPr>
+                <p:cNvPr id="16" name="Ink 15">
+                  <a:extLst>
+                    <a:ext uri="{FF2B5EF4-FFF2-40B4-BE49-F238E27FC236}">
+                      <a16:creationId xmlns:a16="http://schemas.microsoft.com/office/drawing/2014/main" id="{F45A2FD6-2C13-9348-9EC0-0997842E8A9C}"/>
+                    </a:ext>
+                  </a:extLst>
+                </p:cNvPr>
+                <p:cNvPicPr/>
+                <p:nvPr/>
+              </p:nvPicPr>
+              <p:blipFill>
+                <a:blip r:embed="rId13"/>
+                <a:stretch>
+                  <a:fillRect/>
+                </a:stretch>
+              </p:blipFill>
+              <p:spPr>
+                <a:xfrm>
+                  <a:off x="3117622" y="821475"/>
+                  <a:ext cx="8149320" cy="3272760"/>
+                </a:xfrm>
+                <a:prstGeom prst="rect">
+                  <a:avLst/>
+                </a:prstGeom>
+              </p:spPr>
+            </p:pic>
+          </mc:Fallback>
+        </mc:AlternateContent>
+        <mc:AlternateContent xmlns:mc="http://schemas.openxmlformats.org/markup-compatibility/2006" xmlns:p14="http://schemas.microsoft.com/office/powerpoint/2010/main">
+          <mc:Choice Requires="p14">
+            <p:contentPart p14:bwMode="auto" r:id="rId14">
+              <p14:nvContentPartPr>
+                <p14:cNvPr id="18" name="Ink 17">
+                  <a:extLst>
+                    <a:ext uri="{FF2B5EF4-FFF2-40B4-BE49-F238E27FC236}">
+                      <a16:creationId xmlns:a16="http://schemas.microsoft.com/office/drawing/2014/main" id="{0C540D74-C85F-B64C-B0A2-F966E411B053}"/>
+                    </a:ext>
+                  </a:extLst>
+                </p14:cNvPr>
+                <p14:cNvContentPartPr/>
+                <p14:nvPr/>
+              </p14:nvContentPartPr>
+              <p14:xfrm>
+                <a:off x="11229862" y="3904515"/>
+                <a:ext cx="299880" cy="2355120"/>
+              </p14:xfrm>
+            </p:contentPart>
+          </mc:Choice>
+          <mc:Fallback xmlns="">
+            <p:pic>
+              <p:nvPicPr>
+                <p:cNvPr id="18" name="Ink 17">
+                  <a:extLst>
+                    <a:ext uri="{FF2B5EF4-FFF2-40B4-BE49-F238E27FC236}">
+                      <a16:creationId xmlns:a16="http://schemas.microsoft.com/office/drawing/2014/main" id="{0C540D74-C85F-B64C-B0A2-F966E411B053}"/>
+                    </a:ext>
+                  </a:extLst>
+                </p:cNvPr>
+                <p:cNvPicPr/>
+                <p:nvPr/>
+              </p:nvPicPr>
+              <p:blipFill>
+                <a:blip r:embed="rId15"/>
+                <a:stretch>
+                  <a:fillRect/>
+                </a:stretch>
+              </p:blipFill>
+              <p:spPr>
+                <a:xfrm>
+                  <a:off x="11194222" y="3868875"/>
+                  <a:ext cx="371520" cy="2426760"/>
+                </a:xfrm>
+                <a:prstGeom prst="rect">
+                  <a:avLst/>
+                </a:prstGeom>
+              </p:spPr>
+            </p:pic>
+          </mc:Fallback>
+        </mc:AlternateContent>
+        <mc:AlternateContent xmlns:mc="http://schemas.openxmlformats.org/markup-compatibility/2006" xmlns:p14="http://schemas.microsoft.com/office/powerpoint/2010/main">
+          <mc:Choice Requires="p14">
+            <p:contentPart p14:bwMode="auto" r:id="rId16">
+              <p14:nvContentPartPr>
+                <p14:cNvPr id="20" name="Ink 19">
+                  <a:extLst>
+                    <a:ext uri="{FF2B5EF4-FFF2-40B4-BE49-F238E27FC236}">
+                      <a16:creationId xmlns:a16="http://schemas.microsoft.com/office/drawing/2014/main" id="{F15955E0-BF53-674D-B5A4-F123818981C2}"/>
+                    </a:ext>
+                  </a:extLst>
+                </p14:cNvPr>
+                <p14:cNvContentPartPr/>
+                <p14:nvPr/>
+              </p14:nvContentPartPr>
+              <p14:xfrm>
+                <a:off x="10909102" y="5578155"/>
+                <a:ext cx="416880" cy="24120"/>
+              </p14:xfrm>
+            </p:contentPart>
+          </mc:Choice>
+          <mc:Fallback xmlns="">
+            <p:pic>
+              <p:nvPicPr>
+                <p:cNvPr id="20" name="Ink 19">
+                  <a:extLst>
+                    <a:ext uri="{FF2B5EF4-FFF2-40B4-BE49-F238E27FC236}">
+                      <a16:creationId xmlns:a16="http://schemas.microsoft.com/office/drawing/2014/main" id="{F15955E0-BF53-674D-B5A4-F123818981C2}"/>
+                    </a:ext>
+                  </a:extLst>
+                </p:cNvPr>
+                <p:cNvPicPr/>
+                <p:nvPr/>
+              </p:nvPicPr>
+              <p:blipFill>
+                <a:blip r:embed="rId17"/>
+                <a:stretch>
+                  <a:fillRect/>
+                </a:stretch>
+              </p:blipFill>
+              <p:spPr>
+                <a:xfrm>
+                  <a:off x="10873102" y="5542515"/>
+                  <a:ext cx="488520" cy="95760"/>
+                </a:xfrm>
+                <a:prstGeom prst="rect">
+                  <a:avLst/>
+                </a:prstGeom>
+              </p:spPr>
+            </p:pic>
+          </mc:Fallback>
+        </mc:AlternateContent>
+        <mc:AlternateContent xmlns:mc="http://schemas.openxmlformats.org/markup-compatibility/2006" xmlns:p14="http://schemas.microsoft.com/office/powerpoint/2010/main">
+          <mc:Choice Requires="p14">
+            <p:contentPart p14:bwMode="auto" r:id="rId18">
+              <p14:nvContentPartPr>
+                <p14:cNvPr id="21" name="Ink 20">
+                  <a:extLst>
+                    <a:ext uri="{FF2B5EF4-FFF2-40B4-BE49-F238E27FC236}">
+                      <a16:creationId xmlns:a16="http://schemas.microsoft.com/office/drawing/2014/main" id="{1AB8E878-E97D-0B42-8348-109E45D3DA15}"/>
+                    </a:ext>
+                  </a:extLst>
+                </p14:cNvPr>
+                <p14:cNvContentPartPr/>
+                <p14:nvPr/>
+              </p14:nvContentPartPr>
+              <p14:xfrm>
+                <a:off x="11213302" y="5712795"/>
+                <a:ext cx="432360" cy="397800"/>
+              </p14:xfrm>
+            </p:contentPart>
+          </mc:Choice>
+          <mc:Fallback xmlns="">
+            <p:pic>
+              <p:nvPicPr>
+                <p:cNvPr id="21" name="Ink 20">
+                  <a:extLst>
+                    <a:ext uri="{FF2B5EF4-FFF2-40B4-BE49-F238E27FC236}">
+                      <a16:creationId xmlns:a16="http://schemas.microsoft.com/office/drawing/2014/main" id="{1AB8E878-E97D-0B42-8348-109E45D3DA15}"/>
+                    </a:ext>
+                  </a:extLst>
+                </p:cNvPr>
+                <p:cNvPicPr/>
+                <p:nvPr/>
+              </p:nvPicPr>
+              <p:blipFill>
+                <a:blip r:embed="rId19"/>
+                <a:stretch>
+                  <a:fillRect/>
+                </a:stretch>
+              </p:blipFill>
+              <p:spPr>
+                <a:xfrm>
+                  <a:off x="11177302" y="5676795"/>
+                  <a:ext cx="504000" cy="469440"/>
+                </a:xfrm>
+                <a:prstGeom prst="rect">
+                  <a:avLst/>
+                </a:prstGeom>
+              </p:spPr>
+            </p:pic>
+          </mc:Fallback>
+        </mc:AlternateContent>
+      </p:grpSp>
+      <p:sp>
+        <p:nvSpPr>
+          <p:cNvPr id="23" name="TextBox 22">
+            <a:extLst>
+              <a:ext uri="{FF2B5EF4-FFF2-40B4-BE49-F238E27FC236}">
+                <a16:creationId xmlns:a16="http://schemas.microsoft.com/office/drawing/2014/main" id="{79D0B034-6713-784B-8502-E78FB7DEA8CD}"/>
+              </a:ext>
+            </a:extLst>
+          </p:cNvPr>
+          <p:cNvSpPr txBox="1"/>
+          <p:nvPr/>
+        </p:nvSpPr>
+        <p:spPr>
+          <a:xfrm>
+            <a:off x="3688909" y="2169833"/>
+            <a:ext cx="942887" cy="369332"/>
+          </a:xfrm>
+          <a:prstGeom prst="rect">
+            <a:avLst/>
+          </a:prstGeom>
+          <a:noFill/>
+        </p:spPr>
+        <p:txBody>
+          <a:bodyPr wrap="none" rtlCol="0">
+            <a:spAutoFit/>
+          </a:bodyPr>
+          <a:lstStyle/>
+          <a:p>
+            <a:r>
+              <a:rPr lang="en-TR" dirty="0"/>
+              <a:t>10.0.0.1</a:t>
+            </a:r>
+          </a:p>
+        </p:txBody>
+      </p:sp>
+      <p:sp>
+        <p:nvSpPr>
+          <p:cNvPr id="24" name="TextBox 23">
+            <a:extLst>
+              <a:ext uri="{FF2B5EF4-FFF2-40B4-BE49-F238E27FC236}">
+                <a16:creationId xmlns:a16="http://schemas.microsoft.com/office/drawing/2014/main" id="{2BA1F145-9331-704C-83DF-3C3FF39BEE16}"/>
+              </a:ext>
+            </a:extLst>
+          </p:cNvPr>
+          <p:cNvSpPr txBox="1"/>
+          <p:nvPr/>
+        </p:nvSpPr>
+        <p:spPr>
+          <a:xfrm>
+            <a:off x="4884810" y="2164663"/>
+            <a:ext cx="942887" cy="369332"/>
+          </a:xfrm>
+          <a:prstGeom prst="rect">
+            <a:avLst/>
+          </a:prstGeom>
+          <a:noFill/>
+        </p:spPr>
+        <p:txBody>
+          <a:bodyPr wrap="none" rtlCol="0">
+            <a:spAutoFit/>
+          </a:bodyPr>
+          <a:lstStyle/>
+          <a:p>
+            <a:r>
+              <a:rPr lang="en-TR" dirty="0"/>
+              <a:t>10.0.0.2</a:t>
+            </a:r>
+          </a:p>
+        </p:txBody>
+      </p:sp>
+      <p:sp>
+        <p:nvSpPr>
+          <p:cNvPr id="25" name="TextBox 24">
+            <a:extLst>
+              <a:ext uri="{FF2B5EF4-FFF2-40B4-BE49-F238E27FC236}">
+                <a16:creationId xmlns:a16="http://schemas.microsoft.com/office/drawing/2014/main" id="{3189D402-FDF9-5E48-949E-34421F720583}"/>
+              </a:ext>
+            </a:extLst>
+          </p:cNvPr>
+          <p:cNvSpPr txBox="1"/>
+          <p:nvPr/>
+        </p:nvSpPr>
+        <p:spPr>
+          <a:xfrm>
+            <a:off x="4739828" y="3417785"/>
+            <a:ext cx="942887" cy="369332"/>
+          </a:xfrm>
+          <a:prstGeom prst="rect">
+            <a:avLst/>
+          </a:prstGeom>
+          <a:noFill/>
+        </p:spPr>
+        <p:txBody>
+          <a:bodyPr wrap="none" rtlCol="0">
+            <a:spAutoFit/>
+          </a:bodyPr>
+          <a:lstStyle/>
+          <a:p>
+            <a:r>
+              <a:rPr lang="en-TR" dirty="0"/>
+              <a:t>10.0.0.3</a:t>
+            </a:r>
+          </a:p>
+        </p:txBody>
+      </p:sp>
+      <p:sp>
+        <p:nvSpPr>
+          <p:cNvPr id="26" name="TextBox 25">
+            <a:extLst>
+              <a:ext uri="{FF2B5EF4-FFF2-40B4-BE49-F238E27FC236}">
+                <a16:creationId xmlns:a16="http://schemas.microsoft.com/office/drawing/2014/main" id="{2F4D4ED9-B478-E846-90BC-B1291931E06C}"/>
+              </a:ext>
+            </a:extLst>
+          </p:cNvPr>
+          <p:cNvSpPr txBox="1"/>
+          <p:nvPr/>
+        </p:nvSpPr>
+        <p:spPr>
+          <a:xfrm>
+            <a:off x="10597266" y="6211929"/>
+            <a:ext cx="832216" cy="369332"/>
+          </a:xfrm>
+          <a:prstGeom prst="rect">
+            <a:avLst/>
+          </a:prstGeom>
+          <a:noFill/>
+        </p:spPr>
+        <p:txBody>
+          <a:bodyPr wrap="none" rtlCol="0">
+            <a:spAutoFit/>
+          </a:bodyPr>
+          <a:lstStyle/>
+          <a:p>
+            <a:r>
+              <a:rPr lang="en-TR" dirty="0"/>
+              <a:t>Laptop</a:t>
+            </a:r>
+          </a:p>
+        </p:txBody>
+      </p:sp>
+      <p:sp>
+        <p:nvSpPr>
+          <p:cNvPr id="27" name="TextBox 26">
+            <a:extLst>
+              <a:ext uri="{FF2B5EF4-FFF2-40B4-BE49-F238E27FC236}">
+                <a16:creationId xmlns:a16="http://schemas.microsoft.com/office/drawing/2014/main" id="{A0EDCEED-5F52-0845-816D-7B0CEC544676}"/>
+              </a:ext>
+            </a:extLst>
+          </p:cNvPr>
+          <p:cNvSpPr txBox="1"/>
+          <p:nvPr/>
+        </p:nvSpPr>
+        <p:spPr>
+          <a:xfrm>
+            <a:off x="5978024" y="5159608"/>
+            <a:ext cx="1293944" cy="369332"/>
+          </a:xfrm>
+          <a:prstGeom prst="rect">
+            <a:avLst/>
+          </a:prstGeom>
+          <a:noFill/>
+        </p:spPr>
+        <p:txBody>
+          <a:bodyPr wrap="none" rtlCol="0">
+            <a:spAutoFit/>
+          </a:bodyPr>
+          <a:lstStyle/>
+          <a:p>
+            <a:r>
+              <a:rPr lang="en-TR" dirty="0"/>
+              <a:t>192.168.0.3</a:t>
+            </a:r>
+          </a:p>
+        </p:txBody>
+      </p:sp>
+      <p:sp>
+        <p:nvSpPr>
+          <p:cNvPr id="28" name="TextBox 27">
+            <a:extLst>
+              <a:ext uri="{FF2B5EF4-FFF2-40B4-BE49-F238E27FC236}">
+                <a16:creationId xmlns:a16="http://schemas.microsoft.com/office/drawing/2014/main" id="{243519A2-C1FD-D444-B61F-362CA9CCAADC}"/>
+              </a:ext>
+            </a:extLst>
+          </p:cNvPr>
+          <p:cNvSpPr txBox="1"/>
+          <p:nvPr/>
+        </p:nvSpPr>
+        <p:spPr>
+          <a:xfrm>
+            <a:off x="7776794" y="2645083"/>
+            <a:ext cx="1293944" cy="369332"/>
+          </a:xfrm>
+          <a:prstGeom prst="rect">
+            <a:avLst/>
+          </a:prstGeom>
+          <a:noFill/>
+        </p:spPr>
+        <p:txBody>
+          <a:bodyPr wrap="none" rtlCol="0">
+            <a:spAutoFit/>
+          </a:bodyPr>
+          <a:lstStyle/>
+          <a:p>
+            <a:r>
+              <a:rPr lang="en-TR" dirty="0"/>
+              <a:t>192.168.0.2</a:t>
+            </a:r>
+          </a:p>
+        </p:txBody>
+      </p:sp>
+      <p:sp>
+        <p:nvSpPr>
+          <p:cNvPr id="29" name="TextBox 28">
+            <a:extLst>
+              <a:ext uri="{FF2B5EF4-FFF2-40B4-BE49-F238E27FC236}">
+                <a16:creationId xmlns:a16="http://schemas.microsoft.com/office/drawing/2014/main" id="{8110127D-0993-A94A-B4F7-089123DBE728}"/>
+              </a:ext>
+            </a:extLst>
+          </p:cNvPr>
+          <p:cNvSpPr txBox="1"/>
+          <p:nvPr/>
+        </p:nvSpPr>
+        <p:spPr>
+          <a:xfrm>
+            <a:off x="2287980" y="1362135"/>
+            <a:ext cx="1293944" cy="369332"/>
+          </a:xfrm>
+          <a:prstGeom prst="rect">
+            <a:avLst/>
+          </a:prstGeom>
+          <a:noFill/>
+        </p:spPr>
+        <p:txBody>
+          <a:bodyPr wrap="none" rtlCol="0">
+            <a:spAutoFit/>
+          </a:bodyPr>
+          <a:lstStyle/>
+          <a:p>
+            <a:r>
+              <a:rPr lang="en-TR" dirty="0"/>
+              <a:t>192.168.0.1</a:t>
+            </a:r>
+          </a:p>
+        </p:txBody>
+      </p:sp>
+    </p:spTree>
+    <p:extLst>
+      <p:ext uri="{BB962C8B-B14F-4D97-AF65-F5344CB8AC3E}">
+        <p14:creationId xmlns:p14="http://schemas.microsoft.com/office/powerpoint/2010/main" val="2088585360"/>
       </p:ext>
     </p:extLst>
   </p:cSld>
